--- a/Report/Slides_v1.pptx
+++ b/Report/Slides_v1.pptx
@@ -3233,7 +3233,7 @@
           <a:p>
             <a:r>
               <a:rPr lang="en-US" dirty="0" smtClean="0"/>
-              <a:t>System Overview</a:t>
+              <a:t>System Design Overview</a:t>
             </a:r>
             <a:endParaRPr lang="en-US" dirty="0"/>
           </a:p>
@@ -3342,7 +3342,17 @@
           <a:bodyPr/>
           <a:lstStyle/>
           <a:p>
-            <a:endParaRPr lang="en-US"/>
+            <a:r>
+              <a:rPr lang="en-US" dirty="0" smtClean="0"/>
+              <a:t>Interrupt based mechanism</a:t>
+            </a:r>
+          </a:p>
+          <a:p>
+            <a:r>
+              <a:rPr lang="en-US" dirty="0" smtClean="0"/>
+              <a:t>Updates file system upon user’s modification</a:t>
+            </a:r>
+            <a:endParaRPr lang="en-US" dirty="0"/>
           </a:p>
         </p:txBody>
       </p:sp>
@@ -3486,7 +3496,52 @@
           <a:bodyPr/>
           <a:lstStyle/>
           <a:p>
-            <a:endParaRPr lang="en-US"/>
+            <a:r>
+              <a:rPr lang="en-US" dirty="0" smtClean="0"/>
+              <a:t>2 Phase Synchronization </a:t>
+            </a:r>
+            <a:r>
+              <a:rPr lang="en-US" dirty="0" err="1" smtClean="0"/>
+              <a:t>Protocal</a:t>
+            </a:r>
+            <a:endParaRPr lang="en-US" dirty="0" smtClean="0"/>
+          </a:p>
+          <a:p>
+            <a:pPr lvl="1"/>
+            <a:r>
+              <a:rPr lang="en-US" dirty="0" smtClean="0"/>
+              <a:t>Update Metadata and move files to </a:t>
+            </a:r>
+            <a:r>
+              <a:rPr lang="en-US" dirty="0" err="1" smtClean="0"/>
+              <a:t>tmp</a:t>
+            </a:r>
+            <a:r>
+              <a:rPr lang="en-US" dirty="0" smtClean="0"/>
+              <a:t> directory</a:t>
+            </a:r>
+          </a:p>
+          <a:p>
+            <a:pPr lvl="1"/>
+            <a:r>
+              <a:rPr lang="en-US" dirty="0" smtClean="0"/>
+              <a:t>Dump Metadata to disk</a:t>
+            </a:r>
+          </a:p>
+          <a:p>
+            <a:pPr lvl="1"/>
+            <a:r>
+              <a:rPr lang="en-US" dirty="0" smtClean="0"/>
+              <a:t>Apply necessary changes</a:t>
+            </a:r>
+          </a:p>
+          <a:p>
+            <a:pPr lvl="1"/>
+            <a:r>
+              <a:rPr lang="en-US" dirty="0" smtClean="0"/>
+              <a:t>Again dump Metadata to disk</a:t>
+            </a:r>
+            <a:endParaRPr lang="en-US" dirty="0"/>
           </a:p>
         </p:txBody>
       </p:sp>

--- a/Report/Slides_v1.pptx
+++ b/Report/Slides_v1.pptx
@@ -2,15 +2,14 @@
 <file path=ppt/presentation.xml><?xml version="1.0" encoding="utf-8"?>
 <p:presentation xmlns:a="http://schemas.openxmlformats.org/drawingml/2006/main" xmlns:r="http://schemas.openxmlformats.org/officeDocument/2006/relationships" xmlns:p="http://schemas.openxmlformats.org/presentationml/2006/main" saveSubsetFonts="1" autoCompressPictures="0">
   <p:sldMasterIdLst>
-    <p:sldMasterId id="2147483648" r:id="rId1"/>
+    <p:sldMasterId id="2147483660" r:id="rId1"/>
   </p:sldMasterIdLst>
   <p:sldIdLst>
     <p:sldId id="256" r:id="rId2"/>
-    <p:sldId id="257" r:id="rId3"/>
-    <p:sldId id="258" r:id="rId4"/>
-    <p:sldId id="259" r:id="rId5"/>
-    <p:sldId id="260" r:id="rId6"/>
-    <p:sldId id="261" r:id="rId7"/>
+    <p:sldId id="262" r:id="rId3"/>
+    <p:sldId id="257" r:id="rId4"/>
+    <p:sldId id="263" r:id="rId5"/>
+    <p:sldId id="261" r:id="rId6"/>
   </p:sldIdLst>
   <p:sldSz cx="9144000" cy="6858000" type="screen4x3"/>
   <p:notesSz cx="6858000" cy="9144000"/>
@@ -113,7 +112,7 @@
 </file>
 
 <file path=ppt/slideLayouts/slideLayout1.xml><?xml version="1.0" encoding="utf-8"?>
-<p:sldLayout xmlns:a="http://schemas.openxmlformats.org/drawingml/2006/main" xmlns:r="http://schemas.openxmlformats.org/officeDocument/2006/relationships" xmlns:p="http://schemas.openxmlformats.org/presentationml/2006/main" type="title" preserve="1">
+<p:sldLayout xmlns:a="http://schemas.openxmlformats.org/drawingml/2006/main" xmlns:r="http://schemas.openxmlformats.org/officeDocument/2006/relationships" xmlns:p="http://schemas.openxmlformats.org/presentationml/2006/main" showMasterSp="0" type="title" preserve="1">
   <p:cSld name="Title Slide">
     <p:spTree>
       <p:nvGrpSpPr>
@@ -131,6 +130,49 @@
       </p:grpSpPr>
       <p:sp>
         <p:nvSpPr>
+          <p:cNvPr id="8" name="Rectangle 7"/>
+          <p:cNvSpPr/>
+          <p:nvPr/>
+        </p:nvSpPr>
+        <p:spPr>
+          <a:xfrm>
+            <a:off x="777240" y="0"/>
+            <a:ext cx="7543800" cy="3048000"/>
+          </a:xfrm>
+          <a:prstGeom prst="rect">
+            <a:avLst/>
+          </a:prstGeom>
+          <a:ln>
+            <a:noFill/>
+          </a:ln>
+        </p:spPr>
+        <p:style>
+          <a:lnRef idx="2">
+            <a:schemeClr val="accent1">
+              <a:shade val="50000"/>
+            </a:schemeClr>
+          </a:lnRef>
+          <a:fillRef idx="1">
+            <a:schemeClr val="accent1"/>
+          </a:fillRef>
+          <a:effectRef idx="0">
+            <a:schemeClr val="accent1"/>
+          </a:effectRef>
+          <a:fontRef idx="minor">
+            <a:schemeClr val="lt1"/>
+          </a:fontRef>
+        </p:style>
+        <p:txBody>
+          <a:bodyPr rtlCol="0" anchor="ctr"/>
+          <a:lstStyle/>
+          <a:p>
+            <a:pPr algn="ctr"/>
+            <a:endParaRPr lang="en-US"/>
+          </a:p>
+        </p:txBody>
+      </p:sp>
+      <p:sp>
+        <p:nvSpPr>
           <p:cNvPr id="2" name="Title 1"/>
           <p:cNvSpPr>
             <a:spLocks noGrp="1"/>
@@ -141,19 +183,25 @@
         </p:nvSpPr>
         <p:spPr>
           <a:xfrm>
-            <a:off x="685800" y="2130425"/>
-            <a:ext cx="7772400" cy="1470025"/>
-          </a:xfrm>
-        </p:spPr>
-        <p:txBody>
-          <a:bodyPr/>
-          <a:lstStyle/>
+            <a:off x="762000" y="3200400"/>
+            <a:ext cx="7543800" cy="1524000"/>
+          </a:xfrm>
+        </p:spPr>
+        <p:txBody>
+          <a:bodyPr>
+            <a:noAutofit/>
+          </a:bodyPr>
+          <a:lstStyle>
+            <a:lvl1pPr>
+              <a:defRPr sz="8000"/>
+            </a:lvl1pPr>
+          </a:lstStyle>
           <a:p>
             <a:r>
               <a:rPr lang="en-US" smtClean="0"/>
               <a:t>Click to edit Master title style</a:t>
             </a:r>
-            <a:endParaRPr lang="en-US"/>
+            <a:endParaRPr lang="en-US" dirty="0"/>
           </a:p>
         </p:txBody>
       </p:sp>
@@ -169,20 +217,20 @@
         </p:nvSpPr>
         <p:spPr>
           <a:xfrm>
-            <a:off x="1371600" y="3886200"/>
-            <a:ext cx="6400800" cy="1752600"/>
-          </a:xfrm>
-        </p:spPr>
-        <p:txBody>
-          <a:bodyPr/>
+            <a:off x="762000" y="4724400"/>
+            <a:ext cx="6858000" cy="990600"/>
+          </a:xfrm>
+        </p:spPr>
+        <p:txBody>
+          <a:bodyPr anchor="t" anchorCtr="0">
+            <a:normAutofit/>
+          </a:bodyPr>
           <a:lstStyle>
-            <a:lvl1pPr marL="0" indent="0" algn="ctr">
-              <a:buNone/>
-              <a:defRPr>
+            <a:lvl1pPr marL="0" indent="0" algn="l">
+              <a:buNone/>
+              <a:defRPr sz="2800">
                 <a:solidFill>
-                  <a:schemeClr val="tx1">
-                    <a:tint val="75000"/>
-                  </a:schemeClr>
+                  <a:schemeClr val="tx2"/>
                 </a:solidFill>
               </a:defRPr>
             </a:lvl1pPr>
@@ -272,7 +320,7 @@
               <a:rPr lang="en-US" smtClean="0"/>
               <a:t>Click to edit Master subtitle style</a:t>
             </a:r>
-            <a:endParaRPr lang="en-US"/>
+            <a:endParaRPr lang="en-US" dirty="0"/>
           </a:p>
         </p:txBody>
       </p:sp>
@@ -341,12 +389,50 @@
           </a:p>
         </p:txBody>
       </p:sp>
+      <p:sp>
+        <p:nvSpPr>
+          <p:cNvPr id="7" name="Rectangle 6"/>
+          <p:cNvSpPr/>
+          <p:nvPr/>
+        </p:nvSpPr>
+        <p:spPr>
+          <a:xfrm>
+            <a:off x="777240" y="6172200"/>
+            <a:ext cx="7543800" cy="27432"/>
+          </a:xfrm>
+          <a:prstGeom prst="rect">
+            <a:avLst/>
+          </a:prstGeom>
+          <a:ln>
+            <a:noFill/>
+          </a:ln>
+        </p:spPr>
+        <p:style>
+          <a:lnRef idx="2">
+            <a:schemeClr val="accent1">
+              <a:shade val="50000"/>
+            </a:schemeClr>
+          </a:lnRef>
+          <a:fillRef idx="1">
+            <a:schemeClr val="accent1"/>
+          </a:fillRef>
+          <a:effectRef idx="0">
+            <a:schemeClr val="accent1"/>
+          </a:effectRef>
+          <a:fontRef idx="minor">
+            <a:schemeClr val="lt1"/>
+          </a:fontRef>
+        </p:style>
+        <p:txBody>
+          <a:bodyPr rtlCol="0" anchor="ctr"/>
+          <a:lstStyle/>
+          <a:p>
+            <a:pPr algn="ctr"/>
+            <a:endParaRPr lang="en-US"/>
+          </a:p>
+        </p:txBody>
+      </p:sp>
     </p:spTree>
-    <p:extLst>
-      <p:ext uri="{BB962C8B-B14F-4D97-AF65-F5344CB8AC3E}">
-        <p14:creationId xmlns:p14="http://schemas.microsoft.com/office/powerpoint/2010/main" val="3489926102"/>
-      </p:ext>
-    </p:extLst>
   </p:cSld>
   <p:clrMapOvr>
     <a:masterClrMapping/>
@@ -390,7 +476,7 @@
               <a:rPr lang="en-US" smtClean="0"/>
               <a:t>Click to edit Master title style</a:t>
             </a:r>
-            <a:endParaRPr lang="en-US"/>
+            <a:endParaRPr lang="en-US" dirty="0"/>
           </a:p>
         </p:txBody>
       </p:sp>
@@ -404,9 +490,14 @@
             <p:ph type="body" orient="vert" idx="1"/>
           </p:nvPr>
         </p:nvSpPr>
-        <p:spPr/>
-        <p:txBody>
-          <a:bodyPr vert="eaVert"/>
+        <p:spPr>
+          <a:xfrm>
+            <a:off x="914400" y="685800"/>
+            <a:ext cx="7239000" cy="3886200"/>
+          </a:xfrm>
+        </p:spPr>
+        <p:txBody>
+          <a:bodyPr vert="eaVert" anchor="t" anchorCtr="0"/>
           <a:lstStyle/>
           <a:p>
             <a:pPr lvl="0"/>
@@ -512,11 +603,6 @@
         </p:txBody>
       </p:sp>
     </p:spTree>
-    <p:extLst>
-      <p:ext uri="{BB962C8B-B14F-4D97-AF65-F5344CB8AC3E}">
-        <p14:creationId xmlns:p14="http://schemas.microsoft.com/office/powerpoint/2010/main" val="782992098"/>
-      </p:ext>
-    </p:extLst>
   </p:cSld>
   <p:clrMapOvr>
     <a:masterClrMapping/>
@@ -553,8 +639,8 @@
         </p:nvSpPr>
         <p:spPr>
           <a:xfrm>
-            <a:off x="6629400" y="274638"/>
-            <a:ext cx="2057400" cy="5851525"/>
+            <a:off x="762000" y="685801"/>
+            <a:ext cx="1828800" cy="5410199"/>
           </a:xfrm>
         </p:spPr>
         <p:txBody>
@@ -565,7 +651,7 @@
               <a:rPr lang="en-US" smtClean="0"/>
               <a:t>Click to edit Master title style</a:t>
             </a:r>
-            <a:endParaRPr lang="en-US"/>
+            <a:endParaRPr lang="en-US" dirty="0"/>
           </a:p>
         </p:txBody>
       </p:sp>
@@ -581,12 +667,12 @@
         </p:nvSpPr>
         <p:spPr>
           <a:xfrm>
-            <a:off x="457200" y="274638"/>
-            <a:ext cx="6019800" cy="5851525"/>
-          </a:xfrm>
-        </p:spPr>
-        <p:txBody>
-          <a:bodyPr vert="eaVert"/>
+            <a:off x="2590800" y="685801"/>
+            <a:ext cx="5715000" cy="4876800"/>
+          </a:xfrm>
+        </p:spPr>
+        <p:txBody>
+          <a:bodyPr vert="eaVert" anchor="t" anchorCtr="0"/>
           <a:lstStyle/>
           <a:p>
             <a:pPr lvl="0"/>
@@ -692,11 +778,6 @@
         </p:txBody>
       </p:sp>
     </p:spTree>
-    <p:extLst>
-      <p:ext uri="{BB962C8B-B14F-4D97-AF65-F5344CB8AC3E}">
-        <p14:creationId xmlns:p14="http://schemas.microsoft.com/office/powerpoint/2010/main" val="1262266482"/>
-      </p:ext>
-    </p:extLst>
   </p:cSld>
   <p:clrMapOvr>
     <a:masterClrMapping/>
@@ -862,11 +943,6 @@
         </p:txBody>
       </p:sp>
     </p:spTree>
-    <p:extLst>
-      <p:ext uri="{BB962C8B-B14F-4D97-AF65-F5344CB8AC3E}">
-        <p14:creationId xmlns:p14="http://schemas.microsoft.com/office/powerpoint/2010/main" val="2579184972"/>
-      </p:ext>
-    </p:extLst>
   </p:cSld>
   <p:clrMapOvr>
     <a:masterClrMapping/>
@@ -875,7 +951,7 @@
 </file>
 
 <file path=ppt/slideLayouts/slideLayout3.xml><?xml version="1.0" encoding="utf-8"?>
-<p:sldLayout xmlns:a="http://schemas.openxmlformats.org/drawingml/2006/main" xmlns:r="http://schemas.openxmlformats.org/officeDocument/2006/relationships" xmlns:p="http://schemas.openxmlformats.org/presentationml/2006/main" type="secHead" preserve="1">
+<p:sldLayout xmlns:a="http://schemas.openxmlformats.org/drawingml/2006/main" xmlns:r="http://schemas.openxmlformats.org/officeDocument/2006/relationships" xmlns:p="http://schemas.openxmlformats.org/presentationml/2006/main" showMasterSp="0" type="secHead" preserve="1">
   <p:cSld name="Section Header">
     <p:spTree>
       <p:nvGrpSpPr>
@@ -893,6 +969,49 @@
       </p:grpSpPr>
       <p:sp>
         <p:nvSpPr>
+          <p:cNvPr id="7" name="Rectangle 6"/>
+          <p:cNvSpPr/>
+          <p:nvPr/>
+        </p:nvSpPr>
+        <p:spPr>
+          <a:xfrm>
+            <a:off x="777240" y="0"/>
+            <a:ext cx="7543800" cy="3048000"/>
+          </a:xfrm>
+          <a:prstGeom prst="rect">
+            <a:avLst/>
+          </a:prstGeom>
+          <a:ln>
+            <a:noFill/>
+          </a:ln>
+        </p:spPr>
+        <p:style>
+          <a:lnRef idx="2">
+            <a:schemeClr val="accent1">
+              <a:shade val="50000"/>
+            </a:schemeClr>
+          </a:lnRef>
+          <a:fillRef idx="1">
+            <a:schemeClr val="accent1"/>
+          </a:fillRef>
+          <a:effectRef idx="0">
+            <a:schemeClr val="accent1"/>
+          </a:effectRef>
+          <a:fontRef idx="minor">
+            <a:schemeClr val="lt1"/>
+          </a:fontRef>
+        </p:style>
+        <p:txBody>
+          <a:bodyPr rtlCol="0" anchor="ctr"/>
+          <a:lstStyle/>
+          <a:p>
+            <a:pPr algn="ctr"/>
+            <a:endParaRPr lang="en-US"/>
+          </a:p>
+        </p:txBody>
+      </p:sp>
+      <p:sp>
+        <p:nvSpPr>
           <p:cNvPr id="2" name="Title 1"/>
           <p:cNvSpPr>
             <a:spLocks noGrp="1"/>
@@ -903,15 +1022,15 @@
         </p:nvSpPr>
         <p:spPr>
           <a:xfrm>
-            <a:off x="722313" y="4406900"/>
-            <a:ext cx="7772400" cy="1362075"/>
-          </a:xfrm>
-        </p:spPr>
-        <p:txBody>
-          <a:bodyPr anchor="t"/>
+            <a:off x="762000" y="3276600"/>
+            <a:ext cx="7543800" cy="1676400"/>
+          </a:xfrm>
+        </p:spPr>
+        <p:txBody>
+          <a:bodyPr anchor="b" anchorCtr="0"/>
           <a:lstStyle>
             <a:lvl1pPr algn="l">
-              <a:defRPr sz="4000" b="1" cap="all"/>
+              <a:defRPr sz="5400" b="0" cap="all"/>
             </a:lvl1pPr>
           </a:lstStyle>
           <a:p>
@@ -919,7 +1038,7 @@
               <a:rPr lang="en-US" smtClean="0"/>
               <a:t>Click to edit Master title style</a:t>
             </a:r>
-            <a:endParaRPr lang="en-US"/>
+            <a:endParaRPr lang="en-US" dirty="0"/>
           </a:p>
         </p:txBody>
       </p:sp>
@@ -935,20 +1054,20 @@
         </p:nvSpPr>
         <p:spPr>
           <a:xfrm>
-            <a:off x="722313" y="2906713"/>
-            <a:ext cx="7772400" cy="1500187"/>
-          </a:xfrm>
-        </p:spPr>
-        <p:txBody>
-          <a:bodyPr anchor="b"/>
+            <a:off x="762000" y="4953000"/>
+            <a:ext cx="6858000" cy="914400"/>
+          </a:xfrm>
+        </p:spPr>
+        <p:txBody>
+          <a:bodyPr anchor="t" anchorCtr="0">
+            <a:normAutofit/>
+          </a:bodyPr>
           <a:lstStyle>
             <a:lvl1pPr marL="0" indent="0">
               <a:buNone/>
-              <a:defRPr sz="2000">
+              <a:defRPr sz="2800">
                 <a:solidFill>
-                  <a:schemeClr val="tx1">
-                    <a:tint val="75000"/>
-                  </a:schemeClr>
+                  <a:schemeClr val="tx2"/>
                 </a:solidFill>
               </a:defRPr>
             </a:lvl1pPr>
@@ -1107,12 +1226,50 @@
           </a:p>
         </p:txBody>
       </p:sp>
+      <p:sp>
+        <p:nvSpPr>
+          <p:cNvPr id="8" name="Rectangle 7"/>
+          <p:cNvSpPr/>
+          <p:nvPr/>
+        </p:nvSpPr>
+        <p:spPr>
+          <a:xfrm>
+            <a:off x="777240" y="6172200"/>
+            <a:ext cx="7543800" cy="27432"/>
+          </a:xfrm>
+          <a:prstGeom prst="rect">
+            <a:avLst/>
+          </a:prstGeom>
+          <a:ln>
+            <a:noFill/>
+          </a:ln>
+        </p:spPr>
+        <p:style>
+          <a:lnRef idx="2">
+            <a:schemeClr val="accent1">
+              <a:shade val="50000"/>
+            </a:schemeClr>
+          </a:lnRef>
+          <a:fillRef idx="1">
+            <a:schemeClr val="accent1"/>
+          </a:fillRef>
+          <a:effectRef idx="0">
+            <a:schemeClr val="accent1"/>
+          </a:effectRef>
+          <a:fontRef idx="minor">
+            <a:schemeClr val="lt1"/>
+          </a:fontRef>
+        </p:style>
+        <p:txBody>
+          <a:bodyPr rtlCol="0" anchor="ctr"/>
+          <a:lstStyle/>
+          <a:p>
+            <a:pPr algn="ctr"/>
+            <a:endParaRPr lang="en-US"/>
+          </a:p>
+        </p:txBody>
+      </p:sp>
     </p:spTree>
-    <p:extLst>
-      <p:ext uri="{BB962C8B-B14F-4D97-AF65-F5344CB8AC3E}">
-        <p14:creationId xmlns:p14="http://schemas.microsoft.com/office/powerpoint/2010/main" val="1259433845"/>
-      </p:ext>
-    </p:extLst>
   </p:cSld>
   <p:clrMapOvr>
     <a:masterClrMapping/>
@@ -1172,8 +1329,8 @@
         </p:nvSpPr>
         <p:spPr>
           <a:xfrm>
-            <a:off x="457200" y="1600200"/>
-            <a:ext cx="4038600" cy="4525963"/>
+            <a:off x="762000" y="609601"/>
+            <a:ext cx="3657600" cy="3767328"/>
           </a:xfrm>
         </p:spPr>
         <p:txBody>
@@ -1241,7 +1398,7 @@
               <a:rPr lang="en-US" smtClean="0"/>
               <a:t>Fifth level</a:t>
             </a:r>
-            <a:endParaRPr lang="en-US"/>
+            <a:endParaRPr lang="en-US" dirty="0"/>
           </a:p>
         </p:txBody>
       </p:sp>
@@ -1257,8 +1414,8 @@
         </p:nvSpPr>
         <p:spPr>
           <a:xfrm>
-            <a:off x="4648200" y="1600200"/>
-            <a:ext cx="4038600" cy="4525963"/>
+            <a:off x="4648200" y="609601"/>
+            <a:ext cx="3657600" cy="3767328"/>
           </a:xfrm>
         </p:spPr>
         <p:txBody>
@@ -1396,11 +1553,6 @@
         </p:txBody>
       </p:sp>
     </p:spTree>
-    <p:extLst>
-      <p:ext uri="{BB962C8B-B14F-4D97-AF65-F5344CB8AC3E}">
-        <p14:creationId xmlns:p14="http://schemas.microsoft.com/office/powerpoint/2010/main" val="3065879047"/>
-      </p:ext>
-    </p:extLst>
   </p:cSld>
   <p:clrMapOvr>
     <a:masterClrMapping/>
@@ -1448,7 +1600,7 @@
               <a:rPr lang="en-US" smtClean="0"/>
               <a:t>Click to edit Master title style</a:t>
             </a:r>
-            <a:endParaRPr lang="en-US"/>
+            <a:endParaRPr lang="en-US" dirty="0"/>
           </a:p>
         </p:txBody>
       </p:sp>
@@ -1464,16 +1616,20 @@
         </p:nvSpPr>
         <p:spPr>
           <a:xfrm>
-            <a:off x="457200" y="1535113"/>
-            <a:ext cx="4040188" cy="639762"/>
-          </a:xfrm>
-        </p:spPr>
-        <p:txBody>
-          <a:bodyPr anchor="b"/>
+            <a:off x="758952" y="609600"/>
+            <a:ext cx="3657600" cy="639762"/>
+          </a:xfrm>
+        </p:spPr>
+        <p:txBody>
+          <a:bodyPr anchor="b">
+            <a:noAutofit/>
+          </a:bodyPr>
           <a:lstStyle>
             <a:lvl1pPr marL="0" indent="0">
               <a:buNone/>
-              <a:defRPr sz="2400" b="1"/>
+              <a:defRPr sz="2800" b="0">
+                <a:latin typeface="+mj-lt"/>
+              </a:defRPr>
             </a:lvl1pPr>
             <a:lvl2pPr marL="457200" indent="0">
               <a:buNone/>
@@ -1529,12 +1685,12 @@
         </p:nvSpPr>
         <p:spPr>
           <a:xfrm>
-            <a:off x="457200" y="2174875"/>
-            <a:ext cx="4040188" cy="3951288"/>
-          </a:xfrm>
-        </p:spPr>
-        <p:txBody>
-          <a:bodyPr/>
+            <a:off x="758952" y="1329264"/>
+            <a:ext cx="3657600" cy="3048000"/>
+          </a:xfrm>
+        </p:spPr>
+        <p:txBody>
+          <a:bodyPr anchor="t" anchorCtr="0"/>
           <a:lstStyle>
             <a:lvl1pPr>
               <a:defRPr sz="2400"/>
@@ -1598,7 +1754,7 @@
               <a:rPr lang="en-US" smtClean="0"/>
               <a:t>Fifth level</a:t>
             </a:r>
-            <a:endParaRPr lang="en-US"/>
+            <a:endParaRPr lang="en-US" dirty="0"/>
           </a:p>
         </p:txBody>
       </p:sp>
@@ -1614,16 +1770,20 @@
         </p:nvSpPr>
         <p:spPr>
           <a:xfrm>
-            <a:off x="4645025" y="1535113"/>
-            <a:ext cx="4041775" cy="639762"/>
-          </a:xfrm>
-        </p:spPr>
-        <p:txBody>
-          <a:bodyPr anchor="b"/>
+            <a:off x="4645152" y="609600"/>
+            <a:ext cx="3657600" cy="639762"/>
+          </a:xfrm>
+        </p:spPr>
+        <p:txBody>
+          <a:bodyPr anchor="b">
+            <a:noAutofit/>
+          </a:bodyPr>
           <a:lstStyle>
             <a:lvl1pPr marL="0" indent="0">
               <a:buNone/>
-              <a:defRPr sz="2400" b="1"/>
+              <a:defRPr sz="2800" b="0">
+                <a:latin typeface="+mj-lt"/>
+              </a:defRPr>
             </a:lvl1pPr>
             <a:lvl2pPr marL="457200" indent="0">
               <a:buNone/>
@@ -1679,12 +1839,12 @@
         </p:nvSpPr>
         <p:spPr>
           <a:xfrm>
-            <a:off x="4645025" y="2174875"/>
-            <a:ext cx="4041775" cy="3951288"/>
-          </a:xfrm>
-        </p:spPr>
-        <p:txBody>
-          <a:bodyPr/>
+            <a:off x="4645152" y="1329264"/>
+            <a:ext cx="3657600" cy="3048000"/>
+          </a:xfrm>
+        </p:spPr>
+        <p:txBody>
+          <a:bodyPr anchor="t" anchorCtr="0"/>
           <a:lstStyle>
             <a:lvl1pPr>
               <a:defRPr sz="2400"/>
@@ -1817,12 +1977,67 @@
           </a:p>
         </p:txBody>
       </p:sp>
+      <p:cxnSp>
+        <p:nvCxnSpPr>
+          <p:cNvPr id="11" name="Straight Connector 10"/>
+          <p:cNvCxnSpPr/>
+          <p:nvPr/>
+        </p:nvCxnSpPr>
+        <p:spPr>
+          <a:xfrm>
+            <a:off x="758952" y="1249362"/>
+            <a:ext cx="3657600" cy="1588"/>
+          </a:xfrm>
+          <a:prstGeom prst="line">
+            <a:avLst/>
+          </a:prstGeom>
+        </p:spPr>
+        <p:style>
+          <a:lnRef idx="1">
+            <a:schemeClr val="accent1"/>
+          </a:lnRef>
+          <a:fillRef idx="0">
+            <a:schemeClr val="accent1"/>
+          </a:fillRef>
+          <a:effectRef idx="0">
+            <a:schemeClr val="accent1"/>
+          </a:effectRef>
+          <a:fontRef idx="minor">
+            <a:schemeClr val="tx1"/>
+          </a:fontRef>
+        </p:style>
+      </p:cxnSp>
+      <p:cxnSp>
+        <p:nvCxnSpPr>
+          <p:cNvPr id="13" name="Straight Connector 12"/>
+          <p:cNvCxnSpPr/>
+          <p:nvPr/>
+        </p:nvCxnSpPr>
+        <p:spPr>
+          <a:xfrm>
+            <a:off x="4645152" y="1249362"/>
+            <a:ext cx="3657600" cy="1588"/>
+          </a:xfrm>
+          <a:prstGeom prst="line">
+            <a:avLst/>
+          </a:prstGeom>
+        </p:spPr>
+        <p:style>
+          <a:lnRef idx="1">
+            <a:schemeClr val="accent1"/>
+          </a:lnRef>
+          <a:fillRef idx="0">
+            <a:schemeClr val="accent1"/>
+          </a:fillRef>
+          <a:effectRef idx="0">
+            <a:schemeClr val="accent1"/>
+          </a:effectRef>
+          <a:fontRef idx="minor">
+            <a:schemeClr val="tx1"/>
+          </a:fontRef>
+        </p:style>
+      </p:cxnSp>
     </p:spTree>
-    <p:extLst>
-      <p:ext uri="{BB962C8B-B14F-4D97-AF65-F5344CB8AC3E}">
-        <p14:creationId xmlns:p14="http://schemas.microsoft.com/office/powerpoint/2010/main" val="2499724863"/>
-      </p:ext>
-    </p:extLst>
   </p:cSld>
   <p:clrMapOvr>
     <a:masterClrMapping/>
@@ -1866,7 +2081,7 @@
               <a:rPr lang="en-US" smtClean="0"/>
               <a:t>Click to edit Master title style</a:t>
             </a:r>
-            <a:endParaRPr lang="en-US"/>
+            <a:endParaRPr lang="en-US" dirty="0"/>
           </a:p>
         </p:txBody>
       </p:sp>
@@ -1936,11 +2151,6 @@
         </p:txBody>
       </p:sp>
     </p:spTree>
-    <p:extLst>
-      <p:ext uri="{BB962C8B-B14F-4D97-AF65-F5344CB8AC3E}">
-        <p14:creationId xmlns:p14="http://schemas.microsoft.com/office/powerpoint/2010/main" val="2385690012"/>
-      </p:ext>
-    </p:extLst>
   </p:cSld>
   <p:clrMapOvr>
     <a:masterClrMapping/>
@@ -2031,11 +2241,6 @@
         </p:txBody>
       </p:sp>
     </p:spTree>
-    <p:extLst>
-      <p:ext uri="{BB962C8B-B14F-4D97-AF65-F5344CB8AC3E}">
-        <p14:creationId xmlns:p14="http://schemas.microsoft.com/office/powerpoint/2010/main" val="3861691717"/>
-      </p:ext>
-    </p:extLst>
   </p:cSld>
   <p:clrMapOvr>
     <a:masterClrMapping/>
@@ -2072,15 +2277,17 @@
         </p:nvSpPr>
         <p:spPr>
           <a:xfrm>
-            <a:off x="457200" y="273050"/>
-            <a:ext cx="3008313" cy="1162050"/>
-          </a:xfrm>
-        </p:spPr>
-        <p:txBody>
-          <a:bodyPr anchor="b"/>
+            <a:off x="762000" y="4572000"/>
+            <a:ext cx="6784848" cy="1600200"/>
+          </a:xfrm>
+        </p:spPr>
+        <p:txBody>
+          <a:bodyPr anchor="b">
+            <a:normAutofit/>
+          </a:bodyPr>
           <a:lstStyle>
             <a:lvl1pPr algn="l">
-              <a:defRPr sz="2000" b="1"/>
+              <a:defRPr sz="5400" b="0"/>
             </a:lvl1pPr>
           </a:lstStyle>
           <a:p>
@@ -2104,27 +2311,27 @@
         </p:nvSpPr>
         <p:spPr>
           <a:xfrm>
-            <a:off x="3575050" y="273050"/>
-            <a:ext cx="5111750" cy="5853113"/>
+            <a:off x="3710866" y="457200"/>
+            <a:ext cx="4594934" cy="4114799"/>
           </a:xfrm>
         </p:spPr>
         <p:txBody>
           <a:bodyPr/>
           <a:lstStyle>
             <a:lvl1pPr>
-              <a:defRPr sz="3200"/>
+              <a:defRPr sz="2400"/>
             </a:lvl1pPr>
             <a:lvl2pPr>
-              <a:defRPr sz="2800"/>
+              <a:defRPr sz="2200"/>
             </a:lvl2pPr>
             <a:lvl3pPr>
-              <a:defRPr sz="2400"/>
+              <a:defRPr sz="2000"/>
             </a:lvl3pPr>
             <a:lvl4pPr>
-              <a:defRPr sz="2000"/>
+              <a:defRPr sz="1800"/>
             </a:lvl4pPr>
             <a:lvl5pPr>
-              <a:defRPr sz="2000"/>
+              <a:defRPr sz="1800"/>
             </a:lvl5pPr>
             <a:lvl6pPr>
               <a:defRPr sz="2000"/>
@@ -2173,7 +2380,7 @@
               <a:rPr lang="en-US" smtClean="0"/>
               <a:t>Fifth level</a:t>
             </a:r>
-            <a:endParaRPr lang="en-US"/>
+            <a:endParaRPr lang="en-US" dirty="0"/>
           </a:p>
         </p:txBody>
       </p:sp>
@@ -2189,16 +2396,22 @@
         </p:nvSpPr>
         <p:spPr>
           <a:xfrm>
-            <a:off x="457200" y="1435100"/>
-            <a:ext cx="3008313" cy="4691063"/>
-          </a:xfrm>
-        </p:spPr>
-        <p:txBody>
-          <a:bodyPr/>
+            <a:off x="762001" y="457200"/>
+            <a:ext cx="2673657" cy="4114800"/>
+          </a:xfrm>
+        </p:spPr>
+        <p:txBody>
+          <a:bodyPr>
+            <a:normAutofit/>
+          </a:bodyPr>
           <a:lstStyle>
             <a:lvl1pPr marL="0" indent="0">
               <a:buNone/>
-              <a:defRPr sz="1400"/>
+              <a:defRPr sz="2100">
+                <a:solidFill>
+                  <a:schemeClr val="tx2"/>
+                </a:solidFill>
+              </a:defRPr>
             </a:lvl1pPr>
             <a:lvl2pPr marL="457200" indent="0">
               <a:buNone/>
@@ -2307,12 +2520,45 @@
           </a:p>
         </p:txBody>
       </p:sp>
+      <p:cxnSp>
+        <p:nvCxnSpPr>
+          <p:cNvPr id="10" name="Straight Connector 9"/>
+          <p:cNvCxnSpPr/>
+          <p:nvPr/>
+        </p:nvCxnSpPr>
+        <p:spPr>
+          <a:xfrm rot="5400000">
+            <a:off x="1677194" y="2514600"/>
+            <a:ext cx="3810000" cy="1588"/>
+          </a:xfrm>
+          <a:prstGeom prst="line">
+            <a:avLst/>
+          </a:prstGeom>
+          <a:ln>
+            <a:solidFill>
+              <a:schemeClr val="tx2">
+                <a:lumMod val="50000"/>
+                <a:lumOff val="50000"/>
+              </a:schemeClr>
+            </a:solidFill>
+          </a:ln>
+        </p:spPr>
+        <p:style>
+          <a:lnRef idx="1">
+            <a:schemeClr val="accent1"/>
+          </a:lnRef>
+          <a:fillRef idx="0">
+            <a:schemeClr val="accent1"/>
+          </a:fillRef>
+          <a:effectRef idx="0">
+            <a:schemeClr val="accent1"/>
+          </a:effectRef>
+          <a:fontRef idx="minor">
+            <a:schemeClr val="tx1"/>
+          </a:fontRef>
+        </p:style>
+      </p:cxnSp>
     </p:spTree>
-    <p:extLst>
-      <p:ext uri="{BB962C8B-B14F-4D97-AF65-F5344CB8AC3E}">
-        <p14:creationId xmlns:p14="http://schemas.microsoft.com/office/powerpoint/2010/main" val="3823785629"/>
-      </p:ext>
-    </p:extLst>
   </p:cSld>
   <p:clrMapOvr>
     <a:masterClrMapping/>
@@ -2349,15 +2595,17 @@
         </p:nvSpPr>
         <p:spPr>
           <a:xfrm>
-            <a:off x="1792288" y="4800600"/>
-            <a:ext cx="5486400" cy="566738"/>
-          </a:xfrm>
-        </p:spPr>
-        <p:txBody>
-          <a:bodyPr anchor="b"/>
+            <a:off x="758952" y="4572000"/>
+            <a:ext cx="6784848" cy="1600200"/>
+          </a:xfrm>
+        </p:spPr>
+        <p:txBody>
+          <a:bodyPr anchor="b">
+            <a:normAutofit/>
+          </a:bodyPr>
           <a:lstStyle>
             <a:lvl1pPr algn="l">
-              <a:defRPr sz="2000" b="1"/>
+              <a:defRPr sz="5400" b="0"/>
             </a:lvl1pPr>
           </a:lstStyle>
           <a:p>
@@ -2365,7 +2613,7 @@
               <a:rPr lang="en-US" smtClean="0"/>
               <a:t>Click to edit Master title style</a:t>
             </a:r>
-            <a:endParaRPr lang="en-US"/>
+            <a:endParaRPr lang="en-US" dirty="0"/>
           </a:p>
         </p:txBody>
       </p:sp>
@@ -2381,9 +2629,14 @@
         </p:nvSpPr>
         <p:spPr>
           <a:xfrm>
-            <a:off x="1792288" y="612775"/>
-            <a:ext cx="5486400" cy="4114800"/>
-          </a:xfrm>
+            <a:off x="777240" y="457200"/>
+            <a:ext cx="7543800" cy="2895600"/>
+          </a:xfrm>
+          <a:ln w="6350">
+            <a:solidFill>
+              <a:schemeClr val="tx2"/>
+            </a:solidFill>
+          </a:ln>
         </p:spPr>
         <p:txBody>
           <a:bodyPr/>
@@ -2426,6 +2679,10 @@
             </a:lvl9pPr>
           </a:lstStyle>
           <a:p>
+            <a:r>
+              <a:rPr lang="en-US" smtClean="0"/>
+              <a:t>Drag picture to placeholder or click icon to add</a:t>
+            </a:r>
             <a:endParaRPr lang="en-US"/>
           </a:p>
         </p:txBody>
@@ -2442,16 +2699,18 @@
         </p:nvSpPr>
         <p:spPr>
           <a:xfrm>
-            <a:off x="1792288" y="5367338"/>
-            <a:ext cx="5486400" cy="804862"/>
-          </a:xfrm>
-        </p:spPr>
-        <p:txBody>
-          <a:bodyPr/>
+            <a:off x="850392" y="3505200"/>
+            <a:ext cx="7391400" cy="804862"/>
+          </a:xfrm>
+        </p:spPr>
+        <p:txBody>
+          <a:bodyPr anchor="t" anchorCtr="0">
+            <a:normAutofit/>
+          </a:bodyPr>
           <a:lstStyle>
             <a:lvl1pPr marL="0" indent="0">
               <a:buNone/>
-              <a:defRPr sz="1400"/>
+              <a:defRPr sz="1800"/>
             </a:lvl1pPr>
             <a:lvl2pPr marL="457200" indent="0">
               <a:buNone/>
@@ -2561,11 +2820,6 @@
         </p:txBody>
       </p:sp>
     </p:spTree>
-    <p:extLst>
-      <p:ext uri="{BB962C8B-B14F-4D97-AF65-F5344CB8AC3E}">
-        <p14:creationId xmlns:p14="http://schemas.microsoft.com/office/powerpoint/2010/main" val="2638622207"/>
-      </p:ext>
-    </p:extLst>
   </p:cSld>
   <p:clrMapOvr>
     <a:masterClrMapping/>
@@ -2577,7 +2831,7 @@
 <p:sldMaster xmlns:a="http://schemas.openxmlformats.org/drawingml/2006/main" xmlns:r="http://schemas.openxmlformats.org/officeDocument/2006/relationships" xmlns:p="http://schemas.openxmlformats.org/presentationml/2006/main">
   <p:cSld>
     <p:bg>
-      <p:bgRef idx="1001">
+      <p:bgRef idx="1003">
         <a:schemeClr val="bg1"/>
       </p:bgRef>
     </p:bg>
@@ -2607,15 +2861,15 @@
         </p:nvSpPr>
         <p:spPr>
           <a:xfrm>
-            <a:off x="457200" y="274638"/>
-            <a:ext cx="8229600" cy="1143000"/>
+            <a:off x="762000" y="4572000"/>
+            <a:ext cx="6781800" cy="1600200"/>
           </a:xfrm>
           <a:prstGeom prst="rect">
             <a:avLst/>
           </a:prstGeom>
         </p:spPr>
         <p:txBody>
-          <a:bodyPr vert="horz" lIns="91440" tIns="45720" rIns="91440" bIns="45720" rtlCol="0" anchor="ctr">
+          <a:bodyPr vert="horz" lIns="91440" tIns="45720" rIns="91440" bIns="45720" rtlCol="0" anchor="b" anchorCtr="0">
             <a:normAutofit/>
           </a:bodyPr>
           <a:lstStyle/>
@@ -2624,7 +2878,7 @@
               <a:rPr lang="en-US" smtClean="0"/>
               <a:t>Click to edit Master title style</a:t>
             </a:r>
-            <a:endParaRPr lang="en-US"/>
+            <a:endParaRPr lang="en-US" dirty="0"/>
           </a:p>
         </p:txBody>
       </p:sp>
@@ -2640,15 +2894,15 @@
         </p:nvSpPr>
         <p:spPr>
           <a:xfrm>
-            <a:off x="457200" y="1600200"/>
-            <a:ext cx="8229600" cy="4525963"/>
+            <a:off x="762000" y="685800"/>
+            <a:ext cx="7543800" cy="3886200"/>
           </a:xfrm>
           <a:prstGeom prst="rect">
             <a:avLst/>
           </a:prstGeom>
         </p:spPr>
         <p:txBody>
-          <a:bodyPr vert="horz" lIns="91440" tIns="45720" rIns="91440" bIns="45720" rtlCol="0">
+          <a:bodyPr vert="horz" lIns="91440" tIns="45720" rIns="91440" bIns="45720" rtlCol="0" anchor="ctr" anchorCtr="0">
             <a:normAutofit/>
           </a:bodyPr>
           <a:lstStyle/>
@@ -2686,7 +2940,7 @@
               <a:rPr lang="en-US" smtClean="0"/>
               <a:t>Fifth level</a:t>
             </a:r>
-            <a:endParaRPr lang="en-US"/>
+            <a:endParaRPr lang="en-US" dirty="0"/>
           </a:p>
         </p:txBody>
       </p:sp>
@@ -2702,7 +2956,7 @@
         </p:nvSpPr>
         <p:spPr>
           <a:xfrm>
-            <a:off x="457200" y="6356350"/>
+            <a:off x="6248400" y="6208776"/>
             <a:ext cx="2133600" cy="365125"/>
           </a:xfrm>
           <a:prstGeom prst="rect">
@@ -2712,39 +2966,79 @@
         <p:txBody>
           <a:bodyPr vert="horz" lIns="91440" tIns="45720" rIns="91440" bIns="45720" rtlCol="0" anchor="ctr"/>
           <a:lstStyle>
+            <a:lvl1pPr algn="r">
+              <a:defRPr sz="1200" b="1">
+                <a:solidFill>
+                  <a:schemeClr val="tx2">
+                    <a:lumMod val="90000"/>
+                    <a:lumOff val="10000"/>
+                  </a:schemeClr>
+                </a:solidFill>
+                <a:latin typeface="+mn-lt"/>
+              </a:defRPr>
+            </a:lvl1pPr>
+          </a:lstStyle>
+          <a:p>
+            <a:fld id="{A5B3472F-27FF-4242-82D8-3118E2F3A83A}" type="datetimeFigureOut">
+              <a:rPr lang="en-US" smtClean="0"/>
+              <a:t>5/12/14</a:t>
+            </a:fld>
+            <a:endParaRPr lang="en-US"/>
+          </a:p>
+        </p:txBody>
+      </p:sp>
+      <p:sp>
+        <p:nvSpPr>
+          <p:cNvPr id="5" name="Footer Placeholder 4"/>
+          <p:cNvSpPr>
+            <a:spLocks noGrp="1"/>
+          </p:cNvSpPr>
+          <p:nvPr>
+            <p:ph type="ftr" sz="quarter" idx="3"/>
+          </p:nvPr>
+        </p:nvSpPr>
+        <p:spPr>
+          <a:xfrm>
+            <a:off x="761999" y="6208776"/>
+            <a:ext cx="4873869" cy="365125"/>
+          </a:xfrm>
+          <a:prstGeom prst="rect">
+            <a:avLst/>
+          </a:prstGeom>
+        </p:spPr>
+        <p:txBody>
+          <a:bodyPr vert="horz" lIns="91440" tIns="45720" rIns="91440" bIns="45720" rtlCol="0" anchor="ctr"/>
+          <a:lstStyle>
             <a:lvl1pPr algn="l">
-              <a:defRPr sz="1200">
+              <a:defRPr sz="1200" b="1">
                 <a:solidFill>
-                  <a:schemeClr val="tx1">
-                    <a:tint val="75000"/>
+                  <a:schemeClr val="tx2">
+                    <a:lumMod val="90000"/>
+                    <a:lumOff val="10000"/>
                   </a:schemeClr>
                 </a:solidFill>
               </a:defRPr>
             </a:lvl1pPr>
           </a:lstStyle>
           <a:p>
-            <a:fld id="{A5B3472F-27FF-4242-82D8-3118E2F3A83A}" type="datetimeFigureOut">
-              <a:rPr lang="en-US" smtClean="0"/>
-              <a:t>5/12/14</a:t>
-            </a:fld>
             <a:endParaRPr lang="en-US"/>
           </a:p>
         </p:txBody>
       </p:sp>
       <p:sp>
         <p:nvSpPr>
-          <p:cNvPr id="5" name="Footer Placeholder 4"/>
-          <p:cNvSpPr>
-            <a:spLocks noGrp="1"/>
-          </p:cNvSpPr>
-          <p:nvPr>
-            <p:ph type="ftr" sz="quarter" idx="3"/>
-          </p:nvPr>
-        </p:nvSpPr>
-        <p:spPr>
-          <a:xfrm>
-            <a:off x="3124200" y="6356350"/>
-            <a:ext cx="2895600" cy="365125"/>
+          <p:cNvPr id="6" name="Slide Number Placeholder 5"/>
+          <p:cNvSpPr>
+            <a:spLocks noGrp="1"/>
+          </p:cNvSpPr>
+          <p:nvPr>
+            <p:ph type="sldNum" sz="quarter" idx="4"/>
+          </p:nvPr>
+        </p:nvSpPr>
+        <p:spPr>
+          <a:xfrm>
+            <a:off x="7620000" y="5687568"/>
+            <a:ext cx="762000" cy="365125"/>
           </a:xfrm>
           <a:prstGeom prst="rect">
             <a:avLst/>
@@ -2753,230 +3047,362 @@
         <p:txBody>
           <a:bodyPr vert="horz" lIns="91440" tIns="45720" rIns="91440" bIns="45720" rtlCol="0" anchor="ctr"/>
           <a:lstStyle>
-            <a:lvl1pPr algn="ctr">
-              <a:defRPr sz="1200">
+            <a:lvl1pPr algn="r">
+              <a:defRPr sz="2400">
                 <a:solidFill>
                   <a:schemeClr val="tx1">
-                    <a:tint val="75000"/>
+                    <a:lumMod val="85000"/>
+                    <a:lumOff val="15000"/>
                   </a:schemeClr>
                 </a:solidFill>
+                <a:latin typeface="+mj-lt"/>
               </a:defRPr>
             </a:lvl1pPr>
           </a:lstStyle>
           <a:p>
+            <a:fld id="{D8344CC0-FBE3-C34A-B940-14DC440E9971}" type="slidenum">
+              <a:rPr lang="en-US" smtClean="0"/>
+              <a:t>‹#›</a:t>
+            </a:fld>
             <a:endParaRPr lang="en-US"/>
           </a:p>
         </p:txBody>
       </p:sp>
       <p:sp>
         <p:nvSpPr>
-          <p:cNvPr id="6" name="Slide Number Placeholder 5"/>
-          <p:cNvSpPr>
-            <a:spLocks noGrp="1"/>
-          </p:cNvSpPr>
-          <p:nvPr>
-            <p:ph type="sldNum" sz="quarter" idx="4"/>
-          </p:nvPr>
-        </p:nvSpPr>
-        <p:spPr>
-          <a:xfrm>
-            <a:off x="6553200" y="6356350"/>
-            <a:ext cx="2133600" cy="365125"/>
+          <p:cNvPr id="8" name="Rectangle 7"/>
+          <p:cNvSpPr/>
+          <p:nvPr/>
+        </p:nvSpPr>
+        <p:spPr>
+          <a:xfrm>
+            <a:off x="777240" y="0"/>
+            <a:ext cx="7543800" cy="381000"/>
           </a:xfrm>
           <a:prstGeom prst="rect">
             <a:avLst/>
           </a:prstGeom>
-        </p:spPr>
-        <p:txBody>
-          <a:bodyPr vert="horz" lIns="91440" tIns="45720" rIns="91440" bIns="45720" rtlCol="0" anchor="ctr"/>
-          <a:lstStyle>
-            <a:lvl1pPr algn="r">
-              <a:defRPr sz="1200">
-                <a:solidFill>
-                  <a:schemeClr val="tx1">
-                    <a:tint val="75000"/>
-                  </a:schemeClr>
-                </a:solidFill>
-              </a:defRPr>
-            </a:lvl1pPr>
-          </a:lstStyle>
-          <a:p>
-            <a:fld id="{D8344CC0-FBE3-C34A-B940-14DC440E9971}" type="slidenum">
-              <a:rPr lang="en-US" smtClean="0"/>
-              <a:t>‹#›</a:t>
-            </a:fld>
+          <a:ln>
+            <a:noFill/>
+          </a:ln>
+        </p:spPr>
+        <p:style>
+          <a:lnRef idx="2">
+            <a:schemeClr val="accent1">
+              <a:shade val="50000"/>
+            </a:schemeClr>
+          </a:lnRef>
+          <a:fillRef idx="1">
+            <a:schemeClr val="accent1"/>
+          </a:fillRef>
+          <a:effectRef idx="0">
+            <a:schemeClr val="accent1"/>
+          </a:effectRef>
+          <a:fontRef idx="minor">
+            <a:schemeClr val="lt1"/>
+          </a:fontRef>
+        </p:style>
+        <p:txBody>
+          <a:bodyPr rtlCol="0" anchor="ctr"/>
+          <a:lstStyle/>
+          <a:p>
+            <a:pPr algn="ctr"/>
             <a:endParaRPr lang="en-US"/>
           </a:p>
         </p:txBody>
       </p:sp>
+      <p:sp>
+        <p:nvSpPr>
+          <p:cNvPr id="9" name="Rectangle 8"/>
+          <p:cNvSpPr/>
+          <p:nvPr/>
+        </p:nvSpPr>
+        <p:spPr>
+          <a:xfrm>
+            <a:off x="777240" y="6172200"/>
+            <a:ext cx="7543800" cy="27432"/>
+          </a:xfrm>
+          <a:prstGeom prst="rect">
+            <a:avLst/>
+          </a:prstGeom>
+          <a:ln>
+            <a:noFill/>
+          </a:ln>
+        </p:spPr>
+        <p:style>
+          <a:lnRef idx="2">
+            <a:schemeClr val="accent1">
+              <a:shade val="50000"/>
+            </a:schemeClr>
+          </a:lnRef>
+          <a:fillRef idx="1">
+            <a:schemeClr val="accent1"/>
+          </a:fillRef>
+          <a:effectRef idx="0">
+            <a:schemeClr val="accent1"/>
+          </a:effectRef>
+          <a:fontRef idx="minor">
+            <a:schemeClr val="lt1"/>
+          </a:fontRef>
+        </p:style>
+        <p:txBody>
+          <a:bodyPr rtlCol="0" anchor="ctr"/>
+          <a:lstStyle/>
+          <a:p>
+            <a:pPr algn="ctr"/>
+            <a:endParaRPr lang="en-US"/>
+          </a:p>
+        </p:txBody>
+      </p:sp>
     </p:spTree>
-    <p:extLst>
-      <p:ext uri="{BB962C8B-B14F-4D97-AF65-F5344CB8AC3E}">
-        <p14:creationId xmlns:p14="http://schemas.microsoft.com/office/powerpoint/2010/main" val="1989254641"/>
-      </p:ext>
-    </p:extLst>
   </p:cSld>
   <p:clrMap bg1="lt1" tx1="dk1" bg2="lt2" tx2="dk2" accent1="accent1" accent2="accent2" accent3="accent3" accent4="accent4" accent5="accent5" accent6="accent6" hlink="hlink" folHlink="folHlink"/>
   <p:sldLayoutIdLst>
-    <p:sldLayoutId id="2147483649" r:id="rId1"/>
-    <p:sldLayoutId id="2147483650" r:id="rId2"/>
-    <p:sldLayoutId id="2147483651" r:id="rId3"/>
-    <p:sldLayoutId id="2147483652" r:id="rId4"/>
-    <p:sldLayoutId id="2147483653" r:id="rId5"/>
-    <p:sldLayoutId id="2147483654" r:id="rId6"/>
-    <p:sldLayoutId id="2147483655" r:id="rId7"/>
-    <p:sldLayoutId id="2147483656" r:id="rId8"/>
-    <p:sldLayoutId id="2147483657" r:id="rId9"/>
-    <p:sldLayoutId id="2147483658" r:id="rId10"/>
-    <p:sldLayoutId id="2147483659" r:id="rId11"/>
+    <p:sldLayoutId id="2147483661" r:id="rId1"/>
+    <p:sldLayoutId id="2147483662" r:id="rId2"/>
+    <p:sldLayoutId id="2147483663" r:id="rId3"/>
+    <p:sldLayoutId id="2147483664" r:id="rId4"/>
+    <p:sldLayoutId id="2147483665" r:id="rId5"/>
+    <p:sldLayoutId id="2147483666" r:id="rId6"/>
+    <p:sldLayoutId id="2147483667" r:id="rId7"/>
+    <p:sldLayoutId id="2147483668" r:id="rId8"/>
+    <p:sldLayoutId id="2147483669" r:id="rId9"/>
+    <p:sldLayoutId id="2147483670" r:id="rId10"/>
+    <p:sldLayoutId id="2147483671" r:id="rId11"/>
   </p:sldLayoutIdLst>
   <p:txStyles>
     <p:titleStyle>
-      <a:lvl1pPr algn="ctr" defTabSz="457200" rtl="0" eaLnBrk="1" latinLnBrk="0" hangingPunct="1">
+      <a:lvl1pPr algn="l" defTabSz="914400" rtl="0" eaLnBrk="1" latinLnBrk="0" hangingPunct="1">
         <a:spcBef>
           <a:spcPct val="0"/>
         </a:spcBef>
         <a:buNone/>
-        <a:defRPr sz="4400" kern="1200">
+        <a:defRPr sz="5400" kern="1200">
           <a:solidFill>
-            <a:schemeClr val="tx1"/>
+            <a:schemeClr val="tx1">
+              <a:lumMod val="85000"/>
+              <a:lumOff val="15000"/>
+            </a:schemeClr>
           </a:solidFill>
           <a:latin typeface="+mj-lt"/>
           <a:ea typeface="+mj-ea"/>
           <a:cs typeface="+mj-cs"/>
         </a:defRPr>
       </a:lvl1pPr>
+      <a:lvl2pPr eaLnBrk="1" hangingPunct="1">
+        <a:defRPr>
+          <a:solidFill>
+            <a:schemeClr val="tx2"/>
+          </a:solidFill>
+        </a:defRPr>
+      </a:lvl2pPr>
+      <a:lvl3pPr eaLnBrk="1" hangingPunct="1">
+        <a:defRPr>
+          <a:solidFill>
+            <a:schemeClr val="tx2"/>
+          </a:solidFill>
+        </a:defRPr>
+      </a:lvl3pPr>
+      <a:lvl4pPr eaLnBrk="1" hangingPunct="1">
+        <a:defRPr>
+          <a:solidFill>
+            <a:schemeClr val="tx2"/>
+          </a:solidFill>
+        </a:defRPr>
+      </a:lvl4pPr>
+      <a:lvl5pPr eaLnBrk="1" hangingPunct="1">
+        <a:defRPr>
+          <a:solidFill>
+            <a:schemeClr val="tx2"/>
+          </a:solidFill>
+        </a:defRPr>
+      </a:lvl5pPr>
+      <a:lvl6pPr eaLnBrk="1" hangingPunct="1">
+        <a:defRPr>
+          <a:solidFill>
+            <a:schemeClr val="tx2"/>
+          </a:solidFill>
+        </a:defRPr>
+      </a:lvl6pPr>
+      <a:lvl7pPr eaLnBrk="1" hangingPunct="1">
+        <a:defRPr>
+          <a:solidFill>
+            <a:schemeClr val="tx2"/>
+          </a:solidFill>
+        </a:defRPr>
+      </a:lvl7pPr>
+      <a:lvl8pPr eaLnBrk="1" hangingPunct="1">
+        <a:defRPr>
+          <a:solidFill>
+            <a:schemeClr val="tx2"/>
+          </a:solidFill>
+        </a:defRPr>
+      </a:lvl8pPr>
+      <a:lvl9pPr eaLnBrk="1" hangingPunct="1">
+        <a:defRPr>
+          <a:solidFill>
+            <a:schemeClr val="tx2"/>
+          </a:solidFill>
+        </a:defRPr>
+      </a:lvl9pPr>
     </p:titleStyle>
     <p:bodyStyle>
-      <a:lvl1pPr marL="342900" indent="-342900" algn="l" defTabSz="457200" rtl="0" eaLnBrk="1" latinLnBrk="0" hangingPunct="1">
+      <a:lvl1pPr marL="274320" indent="-274320" algn="l" defTabSz="914400" rtl="0" eaLnBrk="1" latinLnBrk="0" hangingPunct="1">
         <a:spcBef>
           <a:spcPct val="20000"/>
         </a:spcBef>
-        <a:buFont typeface="Arial"/>
+        <a:buClr>
+          <a:schemeClr val="accent1"/>
+        </a:buClr>
+        <a:buFont typeface="Arial" pitchFamily="34" charset="0"/>
         <a:buChar char="•"/>
-        <a:defRPr sz="3200" kern="1200">
+        <a:defRPr sz="2400" kern="1200">
           <a:solidFill>
-            <a:schemeClr val="tx1"/>
+            <a:schemeClr val="tx2"/>
           </a:solidFill>
           <a:latin typeface="+mn-lt"/>
           <a:ea typeface="+mn-ea"/>
           <a:cs typeface="+mn-cs"/>
         </a:defRPr>
       </a:lvl1pPr>
-      <a:lvl2pPr marL="742950" indent="-285750" algn="l" defTabSz="457200" rtl="0" eaLnBrk="1" latinLnBrk="0" hangingPunct="1">
+      <a:lvl2pPr marL="594360" indent="-274320" algn="l" defTabSz="914400" rtl="0" eaLnBrk="1" latinLnBrk="0" hangingPunct="1">
         <a:spcBef>
           <a:spcPct val="20000"/>
         </a:spcBef>
-        <a:buFont typeface="Arial"/>
-        <a:buChar char="–"/>
-        <a:defRPr sz="2800" kern="1200">
+        <a:buClr>
+          <a:schemeClr val="accent1"/>
+        </a:buClr>
+        <a:buFont typeface="Arial" pitchFamily="34" charset="0"/>
+        <a:buChar char="•"/>
+        <a:defRPr sz="2200" kern="1200">
           <a:solidFill>
-            <a:schemeClr val="tx1"/>
+            <a:schemeClr val="tx2"/>
           </a:solidFill>
           <a:latin typeface="+mn-lt"/>
           <a:ea typeface="+mn-ea"/>
           <a:cs typeface="+mn-cs"/>
         </a:defRPr>
       </a:lvl2pPr>
-      <a:lvl3pPr marL="1143000" indent="-228600" algn="l" defTabSz="457200" rtl="0" eaLnBrk="1" latinLnBrk="0" hangingPunct="1">
+      <a:lvl3pPr marL="868680" indent="-228600" algn="l" defTabSz="914400" rtl="0" eaLnBrk="1" latinLnBrk="0" hangingPunct="1">
         <a:spcBef>
           <a:spcPct val="20000"/>
         </a:spcBef>
-        <a:buFont typeface="Arial"/>
+        <a:buClr>
+          <a:schemeClr val="accent1"/>
+        </a:buClr>
+        <a:buFont typeface="Arial" pitchFamily="34" charset="0"/>
         <a:buChar char="•"/>
-        <a:defRPr sz="2400" kern="1200">
+        <a:defRPr sz="2000" kern="1200">
           <a:solidFill>
-            <a:schemeClr val="tx1"/>
+            <a:schemeClr val="tx2"/>
           </a:solidFill>
           <a:latin typeface="+mn-lt"/>
           <a:ea typeface="+mn-ea"/>
           <a:cs typeface="+mn-cs"/>
         </a:defRPr>
       </a:lvl3pPr>
-      <a:lvl4pPr marL="1600200" indent="-228600" algn="l" defTabSz="457200" rtl="0" eaLnBrk="1" latinLnBrk="0" hangingPunct="1">
+      <a:lvl4pPr marL="1143000" indent="-228600" algn="l" defTabSz="914400" rtl="0" eaLnBrk="1" latinLnBrk="0" hangingPunct="1">
         <a:spcBef>
           <a:spcPct val="20000"/>
         </a:spcBef>
-        <a:buFont typeface="Arial"/>
-        <a:buChar char="–"/>
-        <a:defRPr sz="2000" kern="1200">
+        <a:buClr>
+          <a:schemeClr val="accent1"/>
+        </a:buClr>
+        <a:buFont typeface="Arial" pitchFamily="34" charset="0"/>
+        <a:buChar char="•"/>
+        <a:defRPr sz="1800" kern="1200">
           <a:solidFill>
-            <a:schemeClr val="tx1"/>
+            <a:schemeClr val="tx2"/>
           </a:solidFill>
           <a:latin typeface="+mn-lt"/>
           <a:ea typeface="+mn-ea"/>
           <a:cs typeface="+mn-cs"/>
         </a:defRPr>
       </a:lvl4pPr>
-      <a:lvl5pPr marL="2057400" indent="-228600" algn="l" defTabSz="457200" rtl="0" eaLnBrk="1" latinLnBrk="0" hangingPunct="1">
+      <a:lvl5pPr marL="1371600" indent="-228600" algn="l" defTabSz="914400" rtl="0" eaLnBrk="1" latinLnBrk="0" hangingPunct="1">
         <a:spcBef>
           <a:spcPct val="20000"/>
         </a:spcBef>
-        <a:buFont typeface="Arial"/>
-        <a:buChar char="»"/>
-        <a:defRPr sz="2000" kern="1200">
+        <a:buClr>
+          <a:schemeClr val="accent1"/>
+        </a:buClr>
+        <a:buFont typeface="Arial" pitchFamily="34" charset="0"/>
+        <a:buChar char="•"/>
+        <a:defRPr sz="1800" kern="1200" baseline="0">
           <a:solidFill>
-            <a:schemeClr val="tx1"/>
+            <a:schemeClr val="tx2"/>
           </a:solidFill>
           <a:latin typeface="+mn-lt"/>
           <a:ea typeface="+mn-ea"/>
           <a:cs typeface="+mn-cs"/>
         </a:defRPr>
       </a:lvl5pPr>
-      <a:lvl6pPr marL="2514600" indent="-228600" algn="l" defTabSz="457200" rtl="0" eaLnBrk="1" latinLnBrk="0" hangingPunct="1">
+      <a:lvl6pPr marL="1645920" indent="-228600" algn="l" defTabSz="914400" rtl="0" eaLnBrk="1" latinLnBrk="0" hangingPunct="1">
         <a:spcBef>
           <a:spcPct val="20000"/>
         </a:spcBef>
-        <a:buFont typeface="Arial"/>
+        <a:buClr>
+          <a:schemeClr val="accent1"/>
+        </a:buClr>
+        <a:buFont typeface="Arial" pitchFamily="34" charset="0"/>
         <a:buChar char="•"/>
-        <a:defRPr sz="2000" kern="1200">
+        <a:defRPr sz="1600" kern="1200">
           <a:solidFill>
-            <a:schemeClr val="tx1"/>
+            <a:schemeClr val="tx2"/>
           </a:solidFill>
           <a:latin typeface="+mn-lt"/>
           <a:ea typeface="+mn-ea"/>
           <a:cs typeface="+mn-cs"/>
         </a:defRPr>
       </a:lvl6pPr>
-      <a:lvl7pPr marL="2971800" indent="-228600" algn="l" defTabSz="457200" rtl="0" eaLnBrk="1" latinLnBrk="0" hangingPunct="1">
+      <a:lvl7pPr marL="1901952" indent="-228600" algn="l" defTabSz="914400" rtl="0" eaLnBrk="1" latinLnBrk="0" hangingPunct="1">
         <a:spcBef>
           <a:spcPct val="20000"/>
         </a:spcBef>
-        <a:buFont typeface="Arial"/>
+        <a:buClr>
+          <a:schemeClr val="accent1"/>
+        </a:buClr>
+        <a:buFont typeface="Arial" pitchFamily="34" charset="0"/>
         <a:buChar char="•"/>
-        <a:defRPr sz="2000" kern="1200">
+        <a:defRPr sz="1600" kern="1200">
           <a:solidFill>
-            <a:schemeClr val="tx1"/>
+            <a:schemeClr val="tx2"/>
           </a:solidFill>
           <a:latin typeface="+mn-lt"/>
           <a:ea typeface="+mn-ea"/>
           <a:cs typeface="+mn-cs"/>
         </a:defRPr>
       </a:lvl7pPr>
-      <a:lvl8pPr marL="3429000" indent="-228600" algn="l" defTabSz="457200" rtl="0" eaLnBrk="1" latinLnBrk="0" hangingPunct="1">
+      <a:lvl8pPr marL="2194560" indent="-228600" algn="l" defTabSz="914400" rtl="0" eaLnBrk="1" latinLnBrk="0" hangingPunct="1">
         <a:spcBef>
           <a:spcPct val="20000"/>
         </a:spcBef>
-        <a:buFont typeface="Arial"/>
+        <a:buClr>
+          <a:schemeClr val="accent1"/>
+        </a:buClr>
+        <a:buFont typeface="Arial" pitchFamily="34" charset="0"/>
         <a:buChar char="•"/>
-        <a:defRPr sz="2000" kern="1200">
+        <a:defRPr sz="1600" kern="1200">
           <a:solidFill>
-            <a:schemeClr val="tx1"/>
+            <a:schemeClr val="tx2"/>
           </a:solidFill>
           <a:latin typeface="+mn-lt"/>
           <a:ea typeface="+mn-ea"/>
           <a:cs typeface="+mn-cs"/>
         </a:defRPr>
       </a:lvl8pPr>
-      <a:lvl9pPr marL="3886200" indent="-228600" algn="l" defTabSz="457200" rtl="0" eaLnBrk="1" latinLnBrk="0" hangingPunct="1">
+      <a:lvl9pPr marL="2468880" indent="-228600" algn="l" defTabSz="914400" rtl="0" eaLnBrk="1" latinLnBrk="0" hangingPunct="1">
         <a:spcBef>
           <a:spcPct val="20000"/>
         </a:spcBef>
-        <a:buFont typeface="Arial"/>
+        <a:buClr>
+          <a:schemeClr val="accent1"/>
+        </a:buClr>
+        <a:buFont typeface="Arial" pitchFamily="34" charset="0"/>
         <a:buChar char="•"/>
-        <a:defRPr sz="2000" kern="1200">
+        <a:defRPr sz="1600" kern="1200">
           <a:solidFill>
-            <a:schemeClr val="tx1"/>
+            <a:schemeClr val="tx2"/>
           </a:solidFill>
           <a:latin typeface="+mn-lt"/>
           <a:ea typeface="+mn-ea"/>
@@ -2988,7 +3414,7 @@
       <a:defPPr>
         <a:defRPr lang="en-US"/>
       </a:defPPr>
-      <a:lvl1pPr marL="0" algn="l" defTabSz="457200" rtl="0" eaLnBrk="1" latinLnBrk="0" hangingPunct="1">
+      <a:lvl1pPr marL="0" algn="l" defTabSz="914400" rtl="0" eaLnBrk="1" latinLnBrk="0" hangingPunct="1">
         <a:defRPr sz="1800" kern="1200">
           <a:solidFill>
             <a:schemeClr val="tx1"/>
@@ -2998,7 +3424,7 @@
           <a:cs typeface="+mn-cs"/>
         </a:defRPr>
       </a:lvl1pPr>
-      <a:lvl2pPr marL="457200" algn="l" defTabSz="457200" rtl="0" eaLnBrk="1" latinLnBrk="0" hangingPunct="1">
+      <a:lvl2pPr marL="457200" algn="l" defTabSz="914400" rtl="0" eaLnBrk="1" latinLnBrk="0" hangingPunct="1">
         <a:defRPr sz="1800" kern="1200">
           <a:solidFill>
             <a:schemeClr val="tx1"/>
@@ -3008,7 +3434,7 @@
           <a:cs typeface="+mn-cs"/>
         </a:defRPr>
       </a:lvl2pPr>
-      <a:lvl3pPr marL="914400" algn="l" defTabSz="457200" rtl="0" eaLnBrk="1" latinLnBrk="0" hangingPunct="1">
+      <a:lvl3pPr marL="914400" algn="l" defTabSz="914400" rtl="0" eaLnBrk="1" latinLnBrk="0" hangingPunct="1">
         <a:defRPr sz="1800" kern="1200">
           <a:solidFill>
             <a:schemeClr val="tx1"/>
@@ -3018,7 +3444,7 @@
           <a:cs typeface="+mn-cs"/>
         </a:defRPr>
       </a:lvl3pPr>
-      <a:lvl4pPr marL="1371600" algn="l" defTabSz="457200" rtl="0" eaLnBrk="1" latinLnBrk="0" hangingPunct="1">
+      <a:lvl4pPr marL="1371600" algn="l" defTabSz="914400" rtl="0" eaLnBrk="1" latinLnBrk="0" hangingPunct="1">
         <a:defRPr sz="1800" kern="1200">
           <a:solidFill>
             <a:schemeClr val="tx1"/>
@@ -3028,7 +3454,7 @@
           <a:cs typeface="+mn-cs"/>
         </a:defRPr>
       </a:lvl4pPr>
-      <a:lvl5pPr marL="1828800" algn="l" defTabSz="457200" rtl="0" eaLnBrk="1" latinLnBrk="0" hangingPunct="1">
+      <a:lvl5pPr marL="1828800" algn="l" defTabSz="914400" rtl="0" eaLnBrk="1" latinLnBrk="0" hangingPunct="1">
         <a:defRPr sz="1800" kern="1200">
           <a:solidFill>
             <a:schemeClr val="tx1"/>
@@ -3038,7 +3464,7 @@
           <a:cs typeface="+mn-cs"/>
         </a:defRPr>
       </a:lvl5pPr>
-      <a:lvl6pPr marL="2286000" algn="l" defTabSz="457200" rtl="0" eaLnBrk="1" latinLnBrk="0" hangingPunct="1">
+      <a:lvl6pPr marL="2286000" algn="l" defTabSz="914400" rtl="0" eaLnBrk="1" latinLnBrk="0" hangingPunct="1">
         <a:defRPr sz="1800" kern="1200">
           <a:solidFill>
             <a:schemeClr val="tx1"/>
@@ -3048,7 +3474,7 @@
           <a:cs typeface="+mn-cs"/>
         </a:defRPr>
       </a:lvl6pPr>
-      <a:lvl7pPr marL="2743200" algn="l" defTabSz="457200" rtl="0" eaLnBrk="1" latinLnBrk="0" hangingPunct="1">
+      <a:lvl7pPr marL="2743200" algn="l" defTabSz="914400" rtl="0" eaLnBrk="1" latinLnBrk="0" hangingPunct="1">
         <a:defRPr sz="1800" kern="1200">
           <a:solidFill>
             <a:schemeClr val="tx1"/>
@@ -3058,7 +3484,7 @@
           <a:cs typeface="+mn-cs"/>
         </a:defRPr>
       </a:lvl7pPr>
-      <a:lvl8pPr marL="3200400" algn="l" defTabSz="457200" rtl="0" eaLnBrk="1" latinLnBrk="0" hangingPunct="1">
+      <a:lvl8pPr marL="3200400" algn="l" defTabSz="914400" rtl="0" eaLnBrk="1" latinLnBrk="0" hangingPunct="1">
         <a:defRPr sz="1800" kern="1200">
           <a:solidFill>
             <a:schemeClr val="tx1"/>
@@ -3068,7 +3494,7 @@
           <a:cs typeface="+mn-cs"/>
         </a:defRPr>
       </a:lvl8pPr>
-      <a:lvl9pPr marL="3657600" algn="l" defTabSz="457200" rtl="0" eaLnBrk="1" latinLnBrk="0" hangingPunct="1">
+      <a:lvl9pPr marL="3657600" algn="l" defTabSz="914400" rtl="0" eaLnBrk="1" latinLnBrk="0" hangingPunct="1">
         <a:defRPr sz="1800" kern="1200">
           <a:solidFill>
             <a:schemeClr val="tx1"/>
@@ -3110,7 +3536,12 @@
             <p:ph type="ctrTitle"/>
           </p:nvPr>
         </p:nvSpPr>
-        <p:spPr/>
+        <p:spPr>
+          <a:xfrm>
+            <a:off x="762000" y="472585"/>
+            <a:ext cx="7543800" cy="2435323"/>
+          </a:xfrm>
+        </p:spPr>
         <p:txBody>
           <a:bodyPr/>
           <a:lstStyle/>
@@ -3186,6 +3617,30 @@
           </a:p>
         </p:txBody>
       </p:sp>
+      <p:pic>
+        <p:nvPicPr>
+          <p:cNvPr id="4" name="Picture 3"/>
+          <p:cNvPicPr>
+            <a:picLocks noChangeAspect="1"/>
+          </p:cNvPicPr>
+          <p:nvPr/>
+        </p:nvPicPr>
+        <p:blipFill>
+          <a:blip r:embed="rId2"/>
+          <a:stretch>
+            <a:fillRect/>
+          </a:stretch>
+        </p:blipFill>
+        <p:spPr>
+          <a:xfrm>
+            <a:off x="5526718" y="3647754"/>
+            <a:ext cx="2245682" cy="2155855"/>
+          </a:xfrm>
+          <a:prstGeom prst="rect">
+            <a:avLst/>
+          </a:prstGeom>
+        </p:spPr>
+      </p:pic>
     </p:spTree>
     <p:extLst>
       <p:ext uri="{BB962C8B-B14F-4D97-AF65-F5344CB8AC3E}">
@@ -3196,6 +3651,13 @@
   <p:clrMapOvr>
     <a:masterClrMapping/>
   </p:clrMapOvr>
+  <p:timing>
+    <p:tnLst>
+      <p:par>
+        <p:cTn xmlns:p14="http://schemas.microsoft.com/office/powerpoint/2010/main" id="1" dur="indefinite" restart="never" nodeType="tmRoot"/>
+      </p:par>
+    </p:tnLst>
+  </p:timing>
 </p:sld>
 </file>
 
@@ -3233,7 +3695,7 @@
           <a:p>
             <a:r>
               <a:rPr lang="en-US" dirty="0" smtClean="0"/>
-              <a:t>System Design Overview</a:t>
+              <a:t>Problem Statement</a:t>
             </a:r>
             <a:endParaRPr lang="en-US" dirty="0"/>
           </a:p>
@@ -3249,27 +3711,121 @@
             <p:ph idx="1"/>
           </p:nvPr>
         </p:nvSpPr>
-        <p:spPr/>
-        <p:txBody>
-          <a:bodyPr/>
-          <a:lstStyle/>
+        <p:spPr>
+          <a:xfrm>
+            <a:off x="265789" y="685800"/>
+            <a:ext cx="8608722" cy="3886200"/>
+          </a:xfrm>
+        </p:spPr>
+        <p:txBody>
+          <a:bodyPr>
+            <a:normAutofit/>
+          </a:bodyPr>
+          <a:lstStyle/>
+          <a:p>
+            <a:r>
+              <a:rPr lang="en-US" sz="3200" dirty="0" smtClean="0"/>
+              <a:t>GOAL: Design a Distributed File Synchronizer</a:t>
+            </a:r>
+          </a:p>
+          <a:p>
+            <a:pPr lvl="1"/>
+            <a:endParaRPr lang="en-US" dirty="0"/>
+          </a:p>
           <a:p>
             <a:r>
               <a:rPr lang="en-US" dirty="0" smtClean="0"/>
-              <a:t>File Watcher</a:t>
-            </a:r>
-          </a:p>
-          <a:p>
+              <a:t>Desirable Properties</a:t>
+            </a:r>
+          </a:p>
+          <a:p>
+            <a:pPr lvl="1"/>
+            <a:r>
+              <a:rPr lang="en-US" dirty="0"/>
+              <a:t>N</a:t>
+            </a:r>
             <a:r>
               <a:rPr lang="en-US" dirty="0" smtClean="0"/>
-              <a:t>Synchronization</a:t>
-            </a:r>
-          </a:p>
-          <a:p>
+              <a:t>o </a:t>
+            </a:r>
+            <a:r>
+              <a:rPr lang="en-US" dirty="0"/>
+              <a:t>restriction on synchronization </a:t>
+            </a:r>
             <a:r>
               <a:rPr lang="en-US" dirty="0" smtClean="0"/>
-              <a:t>Failure Recovery</a:t>
-            </a:r>
+              <a:t>patterns</a:t>
+            </a:r>
+          </a:p>
+          <a:p>
+            <a:pPr lvl="1"/>
+            <a:r>
+              <a:rPr lang="en-US" dirty="0"/>
+              <a:t>N</a:t>
+            </a:r>
+            <a:r>
+              <a:rPr lang="en-US" dirty="0" smtClean="0"/>
+              <a:t>o </a:t>
+            </a:r>
+            <a:r>
+              <a:rPr lang="en-US" dirty="0"/>
+              <a:t>false </a:t>
+            </a:r>
+            <a:r>
+              <a:rPr lang="en-US" dirty="0" smtClean="0"/>
+              <a:t>conflicts</a:t>
+            </a:r>
+            <a:endParaRPr lang="en-US" dirty="0"/>
+          </a:p>
+          <a:p>
+            <a:pPr lvl="1"/>
+            <a:r>
+              <a:rPr lang="en-US" dirty="0" smtClean="0"/>
+              <a:t>No </a:t>
+            </a:r>
+            <a:r>
+              <a:rPr lang="en-US" dirty="0"/>
+              <a:t>metadata for deleted </a:t>
+            </a:r>
+            <a:r>
+              <a:rPr lang="en-US" dirty="0" smtClean="0"/>
+              <a:t>files</a:t>
+            </a:r>
+            <a:endParaRPr lang="en-US" dirty="0"/>
+          </a:p>
+          <a:p>
+            <a:pPr lvl="1"/>
+            <a:r>
+              <a:rPr lang="en-US" dirty="0" smtClean="0"/>
+              <a:t>Network </a:t>
+            </a:r>
+            <a:r>
+              <a:rPr lang="en-US" dirty="0"/>
+              <a:t>usage proportional to changed </a:t>
+            </a:r>
+            <a:r>
+              <a:rPr lang="en-US" dirty="0" smtClean="0"/>
+              <a:t>files</a:t>
+            </a:r>
+          </a:p>
+          <a:p>
+            <a:pPr lvl="1"/>
+            <a:r>
+              <a:rPr lang="en-US" dirty="0"/>
+              <a:t>P</a:t>
+            </a:r>
+            <a:r>
+              <a:rPr lang="en-US" dirty="0" smtClean="0"/>
+              <a:t>artial </a:t>
+            </a:r>
+            <a:r>
+              <a:rPr lang="en-US" dirty="0"/>
+              <a:t>synchronizations within the file tree </a:t>
+            </a:r>
+            <a:endParaRPr lang="en-US" dirty="0"/>
+          </a:p>
+          <a:p>
+            <a:pPr lvl="1"/>
             <a:endParaRPr lang="en-US" dirty="0"/>
           </a:p>
         </p:txBody>
@@ -3277,13 +3833,20 @@
     </p:spTree>
     <p:extLst>
       <p:ext uri="{BB962C8B-B14F-4D97-AF65-F5344CB8AC3E}">
-        <p14:creationId xmlns:p14="http://schemas.microsoft.com/office/powerpoint/2010/main" val="2174089087"/>
+        <p14:creationId xmlns:p14="http://schemas.microsoft.com/office/powerpoint/2010/main" val="2239646925"/>
       </p:ext>
     </p:extLst>
   </p:cSld>
   <p:clrMapOvr>
     <a:masterClrMapping/>
   </p:clrMapOvr>
+  <p:timing>
+    <p:tnLst>
+      <p:par>
+        <p:cTn xmlns:p14="http://schemas.microsoft.com/office/powerpoint/2010/main" id="1" dur="indefinite" restart="never" nodeType="tmRoot"/>
+      </p:par>
+    </p:tnLst>
+  </p:timing>
 </p:sld>
 </file>
 
@@ -3316,12 +3879,99 @@
         </p:nvSpPr>
         <p:spPr/>
         <p:txBody>
+          <a:bodyPr>
+            <a:normAutofit/>
+          </a:bodyPr>
+          <a:lstStyle/>
+          <a:p>
+            <a:r>
+              <a:rPr lang="en-US" dirty="0" smtClean="0"/>
+              <a:t>Design of </a:t>
+            </a:r>
+            <a:r>
+              <a:rPr lang="en-US" dirty="0" err="1" smtClean="0"/>
+              <a:t>Tra</a:t>
+            </a:r>
+            <a:endParaRPr lang="en-US" dirty="0"/>
+          </a:p>
+        </p:txBody>
+      </p:sp>
+      <p:sp>
+        <p:nvSpPr>
+          <p:cNvPr id="3" name="Content Placeholder 2"/>
+          <p:cNvSpPr>
+            <a:spLocks noGrp="1"/>
+          </p:cNvSpPr>
+          <p:nvPr>
+            <p:ph idx="1"/>
+          </p:nvPr>
+        </p:nvSpPr>
+        <p:spPr>
+          <a:xfrm>
+            <a:off x="732468" y="1040232"/>
+            <a:ext cx="7543800" cy="3886200"/>
+          </a:xfrm>
+        </p:spPr>
+        <p:txBody>
           <a:bodyPr/>
           <a:lstStyle/>
           <a:p>
+            <a:pPr marL="0" indent="0">
+              <a:buNone/>
+            </a:pPr>
+            <a:endParaRPr lang="en-US" dirty="0" smtClean="0"/>
+          </a:p>
+          <a:p>
             <a:r>
               <a:rPr lang="en-US" dirty="0" smtClean="0"/>
-              <a:t>File Watcher</a:t>
+              <a:t>Vector Time Pairs</a:t>
+            </a:r>
+          </a:p>
+          <a:p>
+            <a:pPr lvl="1"/>
+            <a:r>
+              <a:rPr lang="en-US" dirty="0" smtClean="0"/>
+              <a:t>Sync and Version Vectors</a:t>
+            </a:r>
+          </a:p>
+          <a:p>
+            <a:r>
+              <a:rPr lang="en-US" dirty="0" smtClean="0"/>
+              <a:t>Creation Times </a:t>
+            </a:r>
+          </a:p>
+        </p:txBody>
+      </p:sp>
+      <p:sp>
+        <p:nvSpPr>
+          <p:cNvPr id="4" name="TextBox 3"/>
+          <p:cNvSpPr txBox="1"/>
+          <p:nvPr/>
+        </p:nvSpPr>
+        <p:spPr>
+          <a:xfrm>
+            <a:off x="4610521" y="2362915"/>
+            <a:ext cx="2716990" cy="646331"/>
+          </a:xfrm>
+          <a:prstGeom prst="rect">
+            <a:avLst/>
+          </a:prstGeom>
+          <a:noFill/>
+          <a:ln>
+            <a:solidFill>
+              <a:schemeClr val="tx1"/>
+            </a:solidFill>
+          </a:ln>
+        </p:spPr>
+        <p:txBody>
+          <a:bodyPr wrap="square" rtlCol="0">
+            <a:spAutoFit/>
+          </a:bodyPr>
+          <a:lstStyle/>
+          <a:p>
+            <a:r>
+              <a:rPr lang="en-US" dirty="0" smtClean="0"/>
+              <a:t>Do you have any changes that I don’t know about?</a:t>
             </a:r>
             <a:endParaRPr lang="en-US" dirty="0"/>
           </a:p>
@@ -3329,28 +3979,443 @@
       </p:sp>
       <p:sp>
         <p:nvSpPr>
-          <p:cNvPr id="3" name="Content Placeholder 2"/>
-          <p:cNvSpPr>
-            <a:spLocks noGrp="1"/>
-          </p:cNvSpPr>
-          <p:nvPr>
-            <p:ph idx="1"/>
-          </p:nvPr>
-        </p:nvSpPr>
-        <p:spPr/>
-        <p:txBody>
-          <a:bodyPr/>
+          <p:cNvPr id="5" name="TextBox 4"/>
+          <p:cNvSpPr txBox="1"/>
+          <p:nvPr/>
+        </p:nvSpPr>
+        <p:spPr>
+          <a:xfrm>
+            <a:off x="4610521" y="3622932"/>
+            <a:ext cx="2716990" cy="646331"/>
+          </a:xfrm>
+          <a:prstGeom prst="rect">
+            <a:avLst/>
+          </a:prstGeom>
+          <a:noFill/>
+          <a:ln>
+            <a:solidFill>
+              <a:schemeClr val="tx1"/>
+            </a:solidFill>
+          </a:ln>
+        </p:spPr>
+        <p:txBody>
+          <a:bodyPr wrap="square" rtlCol="0">
+            <a:spAutoFit/>
+          </a:bodyPr>
           <a:lstStyle/>
           <a:p>
             <a:r>
               <a:rPr lang="en-US" dirty="0" smtClean="0"/>
-              <a:t>Interrupt based mechanism</a:t>
-            </a:r>
-          </a:p>
-          <a:p>
+              <a:t>Do I have any changes that you don’t know about?</a:t>
+            </a:r>
+            <a:endParaRPr lang="en-US" dirty="0"/>
+          </a:p>
+        </p:txBody>
+      </p:sp>
+      <p:cxnSp>
+        <p:nvCxnSpPr>
+          <p:cNvPr id="7" name="Straight Arrow Connector 6"/>
+          <p:cNvCxnSpPr/>
+          <p:nvPr/>
+        </p:nvCxnSpPr>
+        <p:spPr>
+          <a:xfrm>
+            <a:off x="5821354" y="3009246"/>
+            <a:ext cx="0" cy="613686"/>
+          </a:xfrm>
+          <a:prstGeom prst="straightConnector1">
+            <a:avLst/>
+          </a:prstGeom>
+          <a:ln>
+            <a:tailEnd type="arrow"/>
+          </a:ln>
+        </p:spPr>
+        <p:style>
+          <a:lnRef idx="2">
+            <a:schemeClr val="accent1"/>
+          </a:lnRef>
+          <a:fillRef idx="0">
+            <a:schemeClr val="accent1"/>
+          </a:fillRef>
+          <a:effectRef idx="1">
+            <a:schemeClr val="accent1"/>
+          </a:effectRef>
+          <a:fontRef idx="minor">
+            <a:schemeClr val="tx1"/>
+          </a:fontRef>
+        </p:style>
+      </p:cxnSp>
+      <p:cxnSp>
+        <p:nvCxnSpPr>
+          <p:cNvPr id="8" name="Straight Arrow Connector 7"/>
+          <p:cNvCxnSpPr/>
+          <p:nvPr/>
+        </p:nvCxnSpPr>
+        <p:spPr>
+          <a:xfrm>
+            <a:off x="5821354" y="1749229"/>
+            <a:ext cx="0" cy="613686"/>
+          </a:xfrm>
+          <a:prstGeom prst="straightConnector1">
+            <a:avLst/>
+          </a:prstGeom>
+          <a:ln>
+            <a:tailEnd type="arrow"/>
+          </a:ln>
+        </p:spPr>
+        <p:style>
+          <a:lnRef idx="2">
+            <a:schemeClr val="accent1"/>
+          </a:lnRef>
+          <a:fillRef idx="0">
+            <a:schemeClr val="accent1"/>
+          </a:fillRef>
+          <a:effectRef idx="1">
+            <a:schemeClr val="accent1"/>
+          </a:effectRef>
+          <a:fontRef idx="minor">
+            <a:schemeClr val="tx1"/>
+          </a:fontRef>
+        </p:style>
+      </p:cxnSp>
+      <p:cxnSp>
+        <p:nvCxnSpPr>
+          <p:cNvPr id="9" name="Straight Arrow Connector 8"/>
+          <p:cNvCxnSpPr/>
+          <p:nvPr/>
+        </p:nvCxnSpPr>
+        <p:spPr>
+          <a:xfrm>
+            <a:off x="5821354" y="4269263"/>
+            <a:ext cx="0" cy="613686"/>
+          </a:xfrm>
+          <a:prstGeom prst="straightConnector1">
+            <a:avLst/>
+          </a:prstGeom>
+          <a:ln>
+            <a:tailEnd type="arrow"/>
+          </a:ln>
+        </p:spPr>
+        <p:style>
+          <a:lnRef idx="2">
+            <a:schemeClr val="accent1"/>
+          </a:lnRef>
+          <a:fillRef idx="0">
+            <a:schemeClr val="accent1"/>
+          </a:fillRef>
+          <a:effectRef idx="1">
+            <a:schemeClr val="accent1"/>
+          </a:effectRef>
+          <a:fontRef idx="minor">
+            <a:schemeClr val="tx1"/>
+          </a:fontRef>
+        </p:style>
+      </p:cxnSp>
+      <p:cxnSp>
+        <p:nvCxnSpPr>
+          <p:cNvPr id="10" name="Straight Arrow Connector 9"/>
+          <p:cNvCxnSpPr/>
+          <p:nvPr/>
+        </p:nvCxnSpPr>
+        <p:spPr>
+          <a:xfrm>
+            <a:off x="7327511" y="3937783"/>
+            <a:ext cx="598248" cy="0"/>
+          </a:xfrm>
+          <a:prstGeom prst="straightConnector1">
+            <a:avLst/>
+          </a:prstGeom>
+          <a:ln>
+            <a:tailEnd type="arrow"/>
+          </a:ln>
+        </p:spPr>
+        <p:style>
+          <a:lnRef idx="2">
+            <a:schemeClr val="accent1"/>
+          </a:lnRef>
+          <a:fillRef idx="0">
+            <a:schemeClr val="accent1"/>
+          </a:fillRef>
+          <a:effectRef idx="1">
+            <a:schemeClr val="accent1"/>
+          </a:effectRef>
+          <a:fontRef idx="minor">
+            <a:schemeClr val="tx1"/>
+          </a:fontRef>
+        </p:style>
+      </p:cxnSp>
+      <p:cxnSp>
+        <p:nvCxnSpPr>
+          <p:cNvPr id="12" name="Straight Arrow Connector 11"/>
+          <p:cNvCxnSpPr/>
+          <p:nvPr/>
+        </p:nvCxnSpPr>
+        <p:spPr>
+          <a:xfrm>
+            <a:off x="7327511" y="2701969"/>
+            <a:ext cx="598248" cy="0"/>
+          </a:xfrm>
+          <a:prstGeom prst="straightConnector1">
+            <a:avLst/>
+          </a:prstGeom>
+          <a:ln>
+            <a:tailEnd type="arrow"/>
+          </a:ln>
+        </p:spPr>
+        <p:style>
+          <a:lnRef idx="2">
+            <a:schemeClr val="accent1"/>
+          </a:lnRef>
+          <a:fillRef idx="0">
+            <a:schemeClr val="accent1"/>
+          </a:fillRef>
+          <a:effectRef idx="1">
+            <a:schemeClr val="accent1"/>
+          </a:effectRef>
+          <a:fontRef idx="minor">
+            <a:schemeClr val="tx1"/>
+          </a:fontRef>
+        </p:style>
+      </p:cxnSp>
+      <p:sp>
+        <p:nvSpPr>
+          <p:cNvPr id="13" name="TextBox 12"/>
+          <p:cNvSpPr txBox="1"/>
+          <p:nvPr/>
+        </p:nvSpPr>
+        <p:spPr>
+          <a:xfrm>
+            <a:off x="5031359" y="1351352"/>
+            <a:ext cx="1579989" cy="369332"/>
+          </a:xfrm>
+          <a:prstGeom prst="rect">
+            <a:avLst/>
+          </a:prstGeom>
+          <a:noFill/>
+        </p:spPr>
+        <p:txBody>
+          <a:bodyPr wrap="square" rtlCol="0">
+            <a:spAutoFit/>
+          </a:bodyPr>
+          <a:lstStyle/>
+          <a:p>
+            <a:pPr algn="ctr"/>
             <a:r>
               <a:rPr lang="en-US" dirty="0" smtClean="0"/>
-              <a:t>Updates file system upon user’s modification</a:t>
+              <a:t>Start Sync</a:t>
+            </a:r>
+            <a:endParaRPr lang="en-US" dirty="0"/>
+          </a:p>
+        </p:txBody>
+      </p:sp>
+      <p:sp>
+        <p:nvSpPr>
+          <p:cNvPr id="14" name="TextBox 13"/>
+          <p:cNvSpPr txBox="1"/>
+          <p:nvPr/>
+        </p:nvSpPr>
+        <p:spPr>
+          <a:xfrm>
+            <a:off x="7423271" y="2317868"/>
+            <a:ext cx="826910" cy="369332"/>
+          </a:xfrm>
+          <a:prstGeom prst="rect">
+            <a:avLst/>
+          </a:prstGeom>
+          <a:noFill/>
+        </p:spPr>
+        <p:txBody>
+          <a:bodyPr wrap="square" rtlCol="0">
+            <a:spAutoFit/>
+          </a:bodyPr>
+          <a:lstStyle/>
+          <a:p>
+            <a:r>
+              <a:rPr lang="en-US" dirty="0" smtClean="0"/>
+              <a:t>No</a:t>
+            </a:r>
+            <a:endParaRPr lang="en-US" dirty="0"/>
+          </a:p>
+        </p:txBody>
+      </p:sp>
+      <p:sp>
+        <p:nvSpPr>
+          <p:cNvPr id="15" name="TextBox 14"/>
+          <p:cNvSpPr txBox="1"/>
+          <p:nvPr/>
+        </p:nvSpPr>
+        <p:spPr>
+          <a:xfrm>
+            <a:off x="5821138" y="3057526"/>
+            <a:ext cx="826910" cy="369332"/>
+          </a:xfrm>
+          <a:prstGeom prst="rect">
+            <a:avLst/>
+          </a:prstGeom>
+          <a:noFill/>
+        </p:spPr>
+        <p:txBody>
+          <a:bodyPr wrap="square" rtlCol="0">
+            <a:spAutoFit/>
+          </a:bodyPr>
+          <a:lstStyle/>
+          <a:p>
+            <a:r>
+              <a:rPr lang="en-US" dirty="0" smtClean="0"/>
+              <a:t>Yes</a:t>
+            </a:r>
+            <a:endParaRPr lang="en-US" dirty="0"/>
+          </a:p>
+        </p:txBody>
+      </p:sp>
+      <p:sp>
+        <p:nvSpPr>
+          <p:cNvPr id="16" name="TextBox 15"/>
+          <p:cNvSpPr txBox="1"/>
+          <p:nvPr/>
+        </p:nvSpPr>
+        <p:spPr>
+          <a:xfrm>
+            <a:off x="7327511" y="3438266"/>
+            <a:ext cx="826910" cy="369332"/>
+          </a:xfrm>
+          <a:prstGeom prst="rect">
+            <a:avLst/>
+          </a:prstGeom>
+          <a:noFill/>
+        </p:spPr>
+        <p:txBody>
+          <a:bodyPr wrap="square" rtlCol="0">
+            <a:spAutoFit/>
+          </a:bodyPr>
+          <a:lstStyle/>
+          <a:p>
+            <a:r>
+              <a:rPr lang="en-US" dirty="0" smtClean="0"/>
+              <a:t>Yes</a:t>
+            </a:r>
+            <a:endParaRPr lang="en-US" dirty="0"/>
+          </a:p>
+        </p:txBody>
+      </p:sp>
+      <p:sp>
+        <p:nvSpPr>
+          <p:cNvPr id="17" name="TextBox 16"/>
+          <p:cNvSpPr txBox="1"/>
+          <p:nvPr/>
+        </p:nvSpPr>
+        <p:spPr>
+          <a:xfrm>
+            <a:off x="5821354" y="4365116"/>
+            <a:ext cx="826910" cy="369332"/>
+          </a:xfrm>
+          <a:prstGeom prst="rect">
+            <a:avLst/>
+          </a:prstGeom>
+          <a:noFill/>
+        </p:spPr>
+        <p:txBody>
+          <a:bodyPr wrap="square" rtlCol="0">
+            <a:spAutoFit/>
+          </a:bodyPr>
+          <a:lstStyle/>
+          <a:p>
+            <a:r>
+              <a:rPr lang="en-US" dirty="0" smtClean="0"/>
+              <a:t>No</a:t>
+            </a:r>
+            <a:endParaRPr lang="en-US" dirty="0"/>
+          </a:p>
+        </p:txBody>
+      </p:sp>
+      <p:sp>
+        <p:nvSpPr>
+          <p:cNvPr id="18" name="TextBox 17"/>
+          <p:cNvSpPr txBox="1"/>
+          <p:nvPr/>
+        </p:nvSpPr>
+        <p:spPr>
+          <a:xfrm>
+            <a:off x="7733731" y="2502534"/>
+            <a:ext cx="1579989" cy="369332"/>
+          </a:xfrm>
+          <a:prstGeom prst="rect">
+            <a:avLst/>
+          </a:prstGeom>
+          <a:noFill/>
+        </p:spPr>
+        <p:txBody>
+          <a:bodyPr wrap="square" rtlCol="0">
+            <a:spAutoFit/>
+          </a:bodyPr>
+          <a:lstStyle/>
+          <a:p>
+            <a:pPr algn="ctr"/>
+            <a:r>
+              <a:rPr lang="en-US" dirty="0" smtClean="0"/>
+              <a:t>Do Nothing</a:t>
+            </a:r>
+            <a:endParaRPr lang="en-US" dirty="0"/>
+          </a:p>
+        </p:txBody>
+      </p:sp>
+      <p:sp>
+        <p:nvSpPr>
+          <p:cNvPr id="19" name="TextBox 18"/>
+          <p:cNvSpPr txBox="1"/>
+          <p:nvPr/>
+        </p:nvSpPr>
+        <p:spPr>
+          <a:xfrm>
+            <a:off x="5031143" y="4897101"/>
+            <a:ext cx="1579989" cy="369332"/>
+          </a:xfrm>
+          <a:prstGeom prst="rect">
+            <a:avLst/>
+          </a:prstGeom>
+          <a:noFill/>
+        </p:spPr>
+        <p:txBody>
+          <a:bodyPr wrap="square" rtlCol="0">
+            <a:spAutoFit/>
+          </a:bodyPr>
+          <a:lstStyle/>
+          <a:p>
+            <a:pPr algn="ctr"/>
+            <a:r>
+              <a:rPr lang="en-US" dirty="0" smtClean="0"/>
+              <a:t>Conflict</a:t>
+            </a:r>
+            <a:endParaRPr lang="en-US" dirty="0"/>
+          </a:p>
+        </p:txBody>
+      </p:sp>
+      <p:sp>
+        <p:nvSpPr>
+          <p:cNvPr id="20" name="TextBox 19"/>
+          <p:cNvSpPr txBox="1"/>
+          <p:nvPr/>
+        </p:nvSpPr>
+        <p:spPr>
+          <a:xfrm>
+            <a:off x="7621723" y="3753117"/>
+            <a:ext cx="1579989" cy="369332"/>
+          </a:xfrm>
+          <a:prstGeom prst="rect">
+            <a:avLst/>
+          </a:prstGeom>
+          <a:noFill/>
+        </p:spPr>
+        <p:txBody>
+          <a:bodyPr wrap="square" rtlCol="0">
+            <a:spAutoFit/>
+          </a:bodyPr>
+          <a:lstStyle/>
+          <a:p>
+            <a:pPr algn="ctr"/>
+            <a:r>
+              <a:rPr lang="en-US" dirty="0" smtClean="0"/>
+              <a:t>Update</a:t>
             </a:r>
             <a:endParaRPr lang="en-US" dirty="0"/>
           </a:p>
@@ -3359,13 +4424,20 @@
     </p:spTree>
     <p:extLst>
       <p:ext uri="{BB962C8B-B14F-4D97-AF65-F5344CB8AC3E}">
-        <p14:creationId xmlns:p14="http://schemas.microsoft.com/office/powerpoint/2010/main" val="2778769880"/>
+        <p14:creationId xmlns:p14="http://schemas.microsoft.com/office/powerpoint/2010/main" val="2174089087"/>
       </p:ext>
     </p:extLst>
   </p:cSld>
   <p:clrMapOvr>
     <a:masterClrMapping/>
   </p:clrMapOvr>
+  <p:timing>
+    <p:tnLst>
+      <p:par>
+        <p:cTn xmlns:p14="http://schemas.microsoft.com/office/powerpoint/2010/main" id="1" dur="indefinite" restart="never" nodeType="tmRoot"/>
+      </p:par>
+    </p:tnLst>
+  </p:timing>
 </p:sld>
 </file>
 
@@ -3403,7 +4475,7 @@
           <a:p>
             <a:r>
               <a:rPr lang="en-US" dirty="0" smtClean="0"/>
-              <a:t>Synchronization</a:t>
+              <a:t>System Design</a:t>
             </a:r>
             <a:endParaRPr lang="en-US" dirty="0"/>
           </a:p>
@@ -3421,23 +4493,128 @@
         </p:nvSpPr>
         <p:spPr/>
         <p:txBody>
-          <a:bodyPr/>
-          <a:lstStyle/>
-          <a:p>
-            <a:endParaRPr lang="en-US"/>
+          <a:bodyPr>
+            <a:normAutofit lnSpcReduction="10000"/>
+          </a:bodyPr>
+          <a:lstStyle/>
+          <a:p>
+            <a:endParaRPr lang="en-US" dirty="0" smtClean="0"/>
+          </a:p>
+          <a:p>
+            <a:endParaRPr lang="en-US" dirty="0"/>
+          </a:p>
+          <a:p>
+            <a:r>
+              <a:rPr lang="en-US" dirty="0" smtClean="0"/>
+              <a:t>File Watcher</a:t>
+            </a:r>
+          </a:p>
+          <a:p>
+            <a:pPr lvl="1"/>
+            <a:r>
+              <a:rPr lang="en-US" dirty="0" smtClean="0"/>
+              <a:t>Raises interrupts on File System changes</a:t>
+            </a:r>
+          </a:p>
+          <a:p>
+            <a:r>
+              <a:rPr lang="en-US" dirty="0" smtClean="0"/>
+              <a:t>Failure Recovery</a:t>
+            </a:r>
+          </a:p>
+          <a:p>
+            <a:pPr lvl="1"/>
+            <a:r>
+              <a:rPr lang="en-US" dirty="0"/>
+              <a:t>Update Metadata and move files to </a:t>
+            </a:r>
+            <a:r>
+              <a:rPr lang="en-US" dirty="0" err="1"/>
+              <a:t>tmp</a:t>
+            </a:r>
+            <a:r>
+              <a:rPr lang="en-US" dirty="0"/>
+              <a:t> directory</a:t>
+            </a:r>
+          </a:p>
+          <a:p>
+            <a:pPr lvl="1"/>
+            <a:r>
+              <a:rPr lang="en-US" dirty="0"/>
+              <a:t>Dump Metadata to disk</a:t>
+            </a:r>
+          </a:p>
+          <a:p>
+            <a:pPr lvl="1"/>
+            <a:r>
+              <a:rPr lang="en-US" dirty="0"/>
+              <a:t>Apply necessary </a:t>
+            </a:r>
+            <a:r>
+              <a:rPr lang="en-US" dirty="0" smtClean="0"/>
+              <a:t>changes</a:t>
+            </a:r>
+            <a:endParaRPr lang="en-US" dirty="0"/>
+          </a:p>
+          <a:p>
+            <a:pPr lvl="1"/>
+            <a:r>
+              <a:rPr lang="en-US" dirty="0"/>
+              <a:t>Again dump Metadata to </a:t>
+            </a:r>
+            <a:r>
+              <a:rPr lang="en-US" dirty="0" smtClean="0"/>
+              <a:t>disk</a:t>
+            </a:r>
+          </a:p>
+          <a:p>
+            <a:pPr lvl="1"/>
+            <a:r>
+              <a:rPr lang="en-US" dirty="0" smtClean="0"/>
+              <a:t>In case of crash, browse </a:t>
+            </a:r>
+            <a:r>
+              <a:rPr lang="en-US" dirty="0" err="1" smtClean="0"/>
+              <a:t>tmp</a:t>
+            </a:r>
+            <a:r>
+              <a:rPr lang="en-US" dirty="0" smtClean="0"/>
+              <a:t> and file system</a:t>
+            </a:r>
+            <a:endParaRPr lang="en-US" dirty="0"/>
+          </a:p>
+          <a:p>
+            <a:pPr marL="0" indent="0">
+              <a:buNone/>
+            </a:pPr>
+            <a:endParaRPr lang="en-US" dirty="0" smtClean="0"/>
+          </a:p>
+          <a:p>
+            <a:pPr lvl="1"/>
+            <a:endParaRPr lang="en-US" dirty="0" smtClean="0"/>
+          </a:p>
+          <a:p>
+            <a:endParaRPr lang="en-US" dirty="0"/>
           </a:p>
         </p:txBody>
       </p:sp>
     </p:spTree>
     <p:extLst>
       <p:ext uri="{BB962C8B-B14F-4D97-AF65-F5344CB8AC3E}">
-        <p14:creationId xmlns:p14="http://schemas.microsoft.com/office/powerpoint/2010/main" val="3441730505"/>
+        <p14:creationId xmlns:p14="http://schemas.microsoft.com/office/powerpoint/2010/main" val="2770967487"/>
       </p:ext>
     </p:extLst>
   </p:cSld>
   <p:clrMapOvr>
     <a:masterClrMapping/>
   </p:clrMapOvr>
+  <p:timing>
+    <p:tnLst>
+      <p:par>
+        <p:cTn xmlns:p14="http://schemas.microsoft.com/office/powerpoint/2010/main" id="1" dur="indefinite" restart="never" nodeType="tmRoot"/>
+      </p:par>
+    </p:tnLst>
+  </p:timing>
 </p:sld>
 </file>
 
@@ -3474,123 +4651,6 @@
           <a:lstStyle/>
           <a:p>
             <a:r>
-              <a:rPr lang="en-US" dirty="0" smtClean="0"/>
-              <a:t>Failure Recovery</a:t>
-            </a:r>
-            <a:endParaRPr lang="en-US" dirty="0"/>
-          </a:p>
-        </p:txBody>
-      </p:sp>
-      <p:sp>
-        <p:nvSpPr>
-          <p:cNvPr id="3" name="Content Placeholder 2"/>
-          <p:cNvSpPr>
-            <a:spLocks noGrp="1"/>
-          </p:cNvSpPr>
-          <p:nvPr>
-            <p:ph idx="1"/>
-          </p:nvPr>
-        </p:nvSpPr>
-        <p:spPr/>
-        <p:txBody>
-          <a:bodyPr/>
-          <a:lstStyle/>
-          <a:p>
-            <a:r>
-              <a:rPr lang="en-US" dirty="0" smtClean="0"/>
-              <a:t>2 Phase Synchronization </a:t>
-            </a:r>
-            <a:r>
-              <a:rPr lang="en-US" dirty="0" err="1" smtClean="0"/>
-              <a:t>Protocal</a:t>
-            </a:r>
-            <a:endParaRPr lang="en-US" dirty="0" smtClean="0"/>
-          </a:p>
-          <a:p>
-            <a:pPr lvl="1"/>
-            <a:r>
-              <a:rPr lang="en-US" dirty="0" smtClean="0"/>
-              <a:t>Update Metadata and move files to </a:t>
-            </a:r>
-            <a:r>
-              <a:rPr lang="en-US" dirty="0" err="1" smtClean="0"/>
-              <a:t>tmp</a:t>
-            </a:r>
-            <a:r>
-              <a:rPr lang="en-US" dirty="0" smtClean="0"/>
-              <a:t> directory</a:t>
-            </a:r>
-          </a:p>
-          <a:p>
-            <a:pPr lvl="1"/>
-            <a:r>
-              <a:rPr lang="en-US" dirty="0" smtClean="0"/>
-              <a:t>Dump Metadata to disk</a:t>
-            </a:r>
-          </a:p>
-          <a:p>
-            <a:pPr lvl="1"/>
-            <a:r>
-              <a:rPr lang="en-US" dirty="0" smtClean="0"/>
-              <a:t>Apply necessary changes</a:t>
-            </a:r>
-          </a:p>
-          <a:p>
-            <a:pPr lvl="1"/>
-            <a:r>
-              <a:rPr lang="en-US" dirty="0" smtClean="0"/>
-              <a:t>Again dump Metadata to disk</a:t>
-            </a:r>
-            <a:endParaRPr lang="en-US" dirty="0"/>
-          </a:p>
-        </p:txBody>
-      </p:sp>
-    </p:spTree>
-    <p:extLst>
-      <p:ext uri="{BB962C8B-B14F-4D97-AF65-F5344CB8AC3E}">
-        <p14:creationId xmlns:p14="http://schemas.microsoft.com/office/powerpoint/2010/main" val="1079031010"/>
-      </p:ext>
-    </p:extLst>
-  </p:cSld>
-  <p:clrMapOvr>
-    <a:masterClrMapping/>
-  </p:clrMapOvr>
-</p:sld>
-</file>
-
-<file path=ppt/slides/slide6.xml><?xml version="1.0" encoding="utf-8"?>
-<p:sld xmlns:a="http://schemas.openxmlformats.org/drawingml/2006/main" xmlns:r="http://schemas.openxmlformats.org/officeDocument/2006/relationships" xmlns:p="http://schemas.openxmlformats.org/presentationml/2006/main">
-  <p:cSld>
-    <p:spTree>
-      <p:nvGrpSpPr>
-        <p:cNvPr id="1" name=""/>
-        <p:cNvGrpSpPr/>
-        <p:nvPr/>
-      </p:nvGrpSpPr>
-      <p:grpSpPr>
-        <a:xfrm>
-          <a:off x="0" y="0"/>
-          <a:ext cx="0" cy="0"/>
-          <a:chOff x="0" y="0"/>
-          <a:chExt cx="0" cy="0"/>
-        </a:xfrm>
-      </p:grpSpPr>
-      <p:sp>
-        <p:nvSpPr>
-          <p:cNvPr id="2" name="Title 1"/>
-          <p:cNvSpPr>
-            <a:spLocks noGrp="1"/>
-          </p:cNvSpPr>
-          <p:nvPr>
-            <p:ph type="title"/>
-          </p:nvPr>
-        </p:nvSpPr>
-        <p:spPr/>
-        <p:txBody>
-          <a:bodyPr/>
-          <a:lstStyle/>
-          <a:p>
-            <a:r>
               <a:rPr lang="en-US" dirty="0" err="1" smtClean="0"/>
               <a:t>TnT</a:t>
             </a:r>
@@ -3612,10 +4672,26 @@
             <p:ph idx="1"/>
           </p:nvPr>
         </p:nvSpPr>
-        <p:spPr/>
-        <p:txBody>
-          <a:bodyPr/>
-          <a:lstStyle/>
+        <p:spPr>
+          <a:xfrm>
+            <a:off x="762000" y="531658"/>
+            <a:ext cx="7543800" cy="2386314"/>
+          </a:xfrm>
+        </p:spPr>
+        <p:txBody>
+          <a:bodyPr>
+            <a:normAutofit fontScale="92500" lnSpcReduction="20000"/>
+          </a:bodyPr>
+          <a:lstStyle/>
+          <a:p>
+            <a:endParaRPr lang="en-US" dirty="0" smtClean="0"/>
+          </a:p>
+          <a:p>
+            <a:endParaRPr lang="en-US" dirty="0"/>
+          </a:p>
+          <a:p>
+            <a:endParaRPr lang="en-US" dirty="0" smtClean="0"/>
+          </a:p>
           <a:p>
             <a:r>
               <a:rPr lang="en-US" dirty="0" smtClean="0"/>
@@ -3623,14 +4699,70 @@
             </a:r>
           </a:p>
           <a:p>
+            <a:pPr lvl="1"/>
+            <a:r>
+              <a:rPr lang="en-US" dirty="0" smtClean="0"/>
+              <a:t>100K random system updates across 5 machines</a:t>
+            </a:r>
+            <a:endParaRPr lang="en-US" dirty="0"/>
+          </a:p>
+          <a:p>
+            <a:pPr marL="0" indent="0">
+              <a:buNone/>
+            </a:pPr>
+            <a:endParaRPr lang="en-US" dirty="0"/>
+          </a:p>
+          <a:p>
             <a:r>
               <a:rPr lang="en-US" dirty="0" smtClean="0"/>
               <a:t>Metadata Overhead</a:t>
             </a:r>
+          </a:p>
+          <a:p>
+            <a:endParaRPr lang="en-US" dirty="0" smtClean="0"/>
+          </a:p>
+          <a:p>
+            <a:pPr lvl="1"/>
             <a:endParaRPr lang="en-US" dirty="0"/>
           </a:p>
-        </p:txBody>
-      </p:sp>
+          <a:p>
+            <a:endParaRPr lang="en-US" dirty="0" smtClean="0"/>
+          </a:p>
+          <a:p>
+            <a:endParaRPr lang="en-US" dirty="0"/>
+          </a:p>
+        </p:txBody>
+      </p:sp>
+      <p:pic>
+        <p:nvPicPr>
+          <p:cNvPr id="4" name="Picture 3" descr="metadata-eps-converted-to.pdf"/>
+          <p:cNvPicPr>
+            <a:picLocks noChangeAspect="1"/>
+          </p:cNvPicPr>
+          <p:nvPr/>
+        </p:nvPicPr>
+        <p:blipFill>
+          <a:blip r:embed="rId2">
+            <a:extLst>
+              <a:ext uri="{28A0092B-C50C-407E-A947-70E740481C1C}">
+                <a14:useLocalDpi xmlns:a14="http://schemas.microsoft.com/office/drawing/2010/main" val="0"/>
+              </a:ext>
+            </a:extLst>
+          </a:blip>
+          <a:stretch>
+            <a:fillRect/>
+          </a:stretch>
+        </p:blipFill>
+        <p:spPr>
+          <a:xfrm>
+            <a:off x="2606655" y="2349635"/>
+            <a:ext cx="3930691" cy="2953292"/>
+          </a:xfrm>
+          <a:prstGeom prst="rect">
+            <a:avLst/>
+          </a:prstGeom>
+        </p:spPr>
+      </p:pic>
     </p:spTree>
     <p:extLst>
       <p:ext uri="{BB962C8B-B14F-4D97-AF65-F5344CB8AC3E}">
@@ -3641,13 +4773,20 @@
   <p:clrMapOvr>
     <a:masterClrMapping/>
   </p:clrMapOvr>
+  <p:timing>
+    <p:tnLst>
+      <p:par>
+        <p:cTn xmlns:p14="http://schemas.microsoft.com/office/powerpoint/2010/main" id="1" dur="indefinite" restart="never" nodeType="tmRoot"/>
+      </p:par>
+    </p:tnLst>
+  </p:timing>
 </p:sld>
 </file>
 
 <file path=ppt/theme/theme1.xml><?xml version="1.0" encoding="utf-8"?>
-<a:theme xmlns:a="http://schemas.openxmlformats.org/drawingml/2006/main" name="Office Theme">
+<a:theme xmlns:a="http://schemas.openxmlformats.org/drawingml/2006/main" name="NewsPrint">
   <a:themeElements>
-    <a:clrScheme name="Office">
+    <a:clrScheme name="NewsPrint">
       <a:dk1>
         <a:sysClr val="windowText" lastClr="000000"/>
       </a:dk1>
@@ -3655,43 +4794,78 @@
         <a:sysClr val="window" lastClr="FFFFFF"/>
       </a:lt1>
       <a:dk2>
-        <a:srgbClr val="1F497D"/>
+        <a:srgbClr val="303030"/>
       </a:dk2>
       <a:lt2>
-        <a:srgbClr val="EEECE1"/>
+        <a:srgbClr val="DEDEE0"/>
       </a:lt2>
       <a:accent1>
-        <a:srgbClr val="4F81BD"/>
+        <a:srgbClr val="AD0101"/>
       </a:accent1>
       <a:accent2>
-        <a:srgbClr val="C0504D"/>
+        <a:srgbClr val="726056"/>
       </a:accent2>
       <a:accent3>
-        <a:srgbClr val="9BBB59"/>
+        <a:srgbClr val="AC956E"/>
       </a:accent3>
       <a:accent4>
-        <a:srgbClr val="8064A2"/>
+        <a:srgbClr val="808DA9"/>
       </a:accent4>
       <a:accent5>
-        <a:srgbClr val="4BACC6"/>
+        <a:srgbClr val="424E5B"/>
       </a:accent5>
       <a:accent6>
-        <a:srgbClr val="F79646"/>
+        <a:srgbClr val="730E00"/>
       </a:accent6>
       <a:hlink>
-        <a:srgbClr val="0000FF"/>
+        <a:srgbClr val="D26900"/>
       </a:hlink>
       <a:folHlink>
-        <a:srgbClr val="800080"/>
+        <a:srgbClr val="D89243"/>
       </a:folHlink>
     </a:clrScheme>
-    <a:fontScheme name="Office">
+    <a:fontScheme name="NewsPrint">
       <a:majorFont>
-        <a:latin typeface="Calibri"/>
+        <a:latin typeface="Impact"/>
         <a:ea typeface=""/>
         <a:cs typeface=""/>
-        <a:font script="Jpan" typeface="ＭＳ Ｐゴシック"/>
-        <a:font script="Hang" typeface="맑은 고딕"/>
+        <a:font script="Jpan" typeface="HGP創英角ｺﾞｼｯｸUB"/>
+        <a:font script="Hang" typeface="HY견고딕"/>
+        <a:font script="Hans" typeface="微软雅黑"/>
+        <a:font script="Hant" typeface="微軟正黑體"/>
+        <a:font script="Arab" typeface="Tahoma"/>
+        <a:font script="Hebr" typeface="Tohoma"/>
+        <a:font script="Thai" typeface="Tahoma"/>
+        <a:font script="Ethi" typeface="Nyala"/>
+        <a:font script="Beng" typeface="Vrinda"/>
+        <a:font script="Gujr" typeface="Shruti"/>
+        <a:font script="Khmr" typeface="MoolBoran"/>
+        <a:font script="Knda" typeface="Tunga"/>
+        <a:font script="Guru" typeface="Raavi"/>
+        <a:font script="Cans" typeface="Euphemia"/>
+        <a:font script="Cher" typeface="Plantagenet Cherokee"/>
+        <a:font script="Yiii" typeface="Microsoft Yi Baiti"/>
+        <a:font script="Tibt" typeface="Microsoft Himalaya"/>
+        <a:font script="Thaa" typeface="MV Boli"/>
+        <a:font script="Deva" typeface="Mangal"/>
+        <a:font script="Telu" typeface="Gautami"/>
+        <a:font script="Taml" typeface="Latha"/>
+        <a:font script="Syrc" typeface="Estrangelo Edessa"/>
+        <a:font script="Orya" typeface="Kalinga"/>
+        <a:font script="Mlym" typeface="Kartika"/>
+        <a:font script="Laoo" typeface="DokChampa"/>
+        <a:font script="Sinh" typeface="Iskoola Pota"/>
+        <a:font script="Mong" typeface="Mongolian Baiti"/>
+        <a:font script="Viet" typeface="Times New Roman"/>
+        <a:font script="Uigh" typeface="Microsoft Uighur"/>
+        <a:font script="Geor" typeface="Sylfaen"/>
+      </a:majorFont>
+      <a:minorFont>
+        <a:latin typeface="Times New Roman"/>
+        <a:ea typeface=""/>
+        <a:cs typeface=""/>
+        <a:font script="Jpan" typeface="ＭＳ Ｐ明朝"/>
+        <a:font script="Hang" typeface="바탕"/>
         <a:font script="Hans" typeface="宋体"/>
         <a:font script="Hant" typeface="新細明體"/>
         <a:font script="Arab" typeface="Times New Roman"/>
@@ -3720,44 +4894,9 @@
         <a:font script="Viet" typeface="Times New Roman"/>
         <a:font script="Uigh" typeface="Microsoft Uighur"/>
         <a:font script="Geor" typeface="Sylfaen"/>
-      </a:majorFont>
-      <a:minorFont>
-        <a:latin typeface="Calibri"/>
-        <a:ea typeface=""/>
-        <a:cs typeface=""/>
-        <a:font script="Jpan" typeface="ＭＳ Ｐゴシック"/>
-        <a:font script="Hang" typeface="맑은 고딕"/>
-        <a:font script="Hans" typeface="宋体"/>
-        <a:font script="Hant" typeface="新細明體"/>
-        <a:font script="Arab" typeface="Arial"/>
-        <a:font script="Hebr" typeface="Arial"/>
-        <a:font script="Thai" typeface="Cordia New"/>
-        <a:font script="Ethi" typeface="Nyala"/>
-        <a:font script="Beng" typeface="Vrinda"/>
-        <a:font script="Gujr" typeface="Shruti"/>
-        <a:font script="Khmr" typeface="DaunPenh"/>
-        <a:font script="Knda" typeface="Tunga"/>
-        <a:font script="Guru" typeface="Raavi"/>
-        <a:font script="Cans" typeface="Euphemia"/>
-        <a:font script="Cher" typeface="Plantagenet Cherokee"/>
-        <a:font script="Yiii" typeface="Microsoft Yi Baiti"/>
-        <a:font script="Tibt" typeface="Microsoft Himalaya"/>
-        <a:font script="Thaa" typeface="MV Boli"/>
-        <a:font script="Deva" typeface="Mangal"/>
-        <a:font script="Telu" typeface="Gautami"/>
-        <a:font script="Taml" typeface="Latha"/>
-        <a:font script="Syrc" typeface="Estrangelo Edessa"/>
-        <a:font script="Orya" typeface="Kalinga"/>
-        <a:font script="Mlym" typeface="Kartika"/>
-        <a:font script="Laoo" typeface="DokChampa"/>
-        <a:font script="Sinh" typeface="Iskoola Pota"/>
-        <a:font script="Mong" typeface="Mongolian Baiti"/>
-        <a:font script="Viet" typeface="Arial"/>
-        <a:font script="Uigh" typeface="Microsoft Uighur"/>
-        <a:font script="Geor" typeface="Sylfaen"/>
       </a:minorFont>
     </a:fontScheme>
-    <a:fmtScheme name="Office">
+    <a:fmtScheme name="NewsPrint">
       <a:fillStyleLst>
         <a:solidFill>
           <a:schemeClr val="phClr"/>
@@ -3766,62 +4905,69 @@
           <a:gsLst>
             <a:gs pos="0">
               <a:schemeClr val="phClr">
-                <a:tint val="50000"/>
-                <a:satMod val="300000"/>
-              </a:schemeClr>
-            </a:gs>
-            <a:gs pos="35000">
-              <a:schemeClr val="phClr">
                 <a:tint val="37000"/>
-                <a:satMod val="300000"/>
+                <a:hueMod val="100000"/>
+                <a:satMod val="200000"/>
+                <a:lumMod val="88000"/>
               </a:schemeClr>
             </a:gs>
             <a:gs pos="100000">
               <a:schemeClr val="phClr">
-                <a:tint val="15000"/>
+                <a:tint val="53000"/>
+                <a:shade val="100000"/>
+                <a:hueMod val="100000"/>
                 <a:satMod val="350000"/>
+                <a:lumMod val="79000"/>
               </a:schemeClr>
             </a:gs>
           </a:gsLst>
-          <a:lin ang="16200000" scaled="1"/>
+          <a:lin ang="5400000" scaled="1"/>
         </a:gradFill>
         <a:gradFill rotWithShape="1">
           <a:gsLst>
             <a:gs pos="0">
               <a:schemeClr val="phClr">
-                <a:tint val="100000"/>
+                <a:tint val="83000"/>
                 <a:shade val="100000"/>
-                <a:satMod val="130000"/>
+                <a:alpha val="100000"/>
+                <a:hueMod val="100000"/>
+                <a:satMod val="220000"/>
+                <a:lumMod val="90000"/>
+              </a:schemeClr>
+            </a:gs>
+            <a:gs pos="76000">
+              <a:schemeClr val="phClr">
+                <a:shade val="100000"/>
               </a:schemeClr>
             </a:gs>
             <a:gs pos="100000">
               <a:schemeClr val="phClr">
-                <a:tint val="50000"/>
-                <a:shade val="100000"/>
-                <a:satMod val="350000"/>
+                <a:shade val="93000"/>
+                <a:alpha val="100000"/>
+                <a:satMod val="100000"/>
+                <a:lumMod val="93000"/>
               </a:schemeClr>
             </a:gs>
           </a:gsLst>
-          <a:lin ang="16200000" scaled="0"/>
+          <a:path path="circle">
+            <a:fillToRect l="15000" t="15000" r="100000" b="100000"/>
+          </a:path>
         </a:gradFill>
       </a:fillStyleLst>
       <a:lnStyleLst>
-        <a:ln w="9525" cap="flat" cmpd="sng" algn="ctr">
-          <a:solidFill>
-            <a:schemeClr val="phClr">
-              <a:shade val="95000"/>
-              <a:satMod val="105000"/>
-            </a:schemeClr>
-          </a:solidFill>
-          <a:prstDash val="solid"/>
-        </a:ln>
-        <a:ln w="25400" cap="flat" cmpd="sng" algn="ctr">
+        <a:ln w="15875" cap="flat" cmpd="sng" algn="ctr">
           <a:solidFill>
             <a:schemeClr val="phClr"/>
           </a:solidFill>
           <a:prstDash val="solid"/>
         </a:ln>
-        <a:ln w="38100" cap="flat" cmpd="sng" algn="ctr">
+        <a:ln w="22225" cap="flat" cmpd="sng" algn="ctr">
+          <a:solidFill>
+            <a:schemeClr val="phClr"/>
+          </a:solidFill>
+          <a:prstDash val="solid"/>
+        </a:ln>
+        <a:ln w="34925" cap="flat" cmpd="sng" algn="ctr">
           <a:solidFill>
             <a:schemeClr val="phClr"/>
           </a:solidFill>
@@ -3831,16 +4977,16 @@
       <a:effectStyleLst>
         <a:effectStyle>
           <a:effectLst>
-            <a:outerShdw blurRad="40000" dist="20000" dir="5400000" rotWithShape="0">
+            <a:outerShdw blurRad="50800" dist="12700" dir="5280000" rotWithShape="0">
               <a:srgbClr val="000000">
-                <a:alpha val="38000"/>
+                <a:alpha val="40000"/>
               </a:srgbClr>
             </a:outerShdw>
           </a:effectLst>
         </a:effectStyle>
         <a:effectStyle>
           <a:effectLst>
-            <a:outerShdw blurRad="40000" dist="23000" dir="5400000" rotWithShape="0">
+            <a:outerShdw blurRad="38100" dist="38100" dir="5400000" rotWithShape="0">
               <a:srgbClr val="000000">
                 <a:alpha val="35000"/>
               </a:srgbClr>
@@ -3849,7 +4995,7 @@
         </a:effectStyle>
         <a:effectStyle>
           <a:effectLst>
-            <a:outerShdw blurRad="40000" dist="23000" dir="5400000" rotWithShape="0">
+            <a:outerShdw blurRad="38100" dist="38100" dir="5400000" rotWithShape="0">
               <a:srgbClr val="000000">
                 <a:alpha val="35000"/>
               </a:srgbClr>
@@ -3859,12 +5005,13 @@
             <a:camera prst="orthographicFront">
               <a:rot lat="0" lon="0" rev="0"/>
             </a:camera>
-            <a:lightRig rig="threePt" dir="t">
-              <a:rot lat="0" lon="0" rev="1200000"/>
-            </a:lightRig>
+            <a:lightRig rig="brightRoom" dir="tl"/>
           </a:scene3d>
-          <a:sp3d>
-            <a:bevelT w="63500" h="25400"/>
+          <a:sp3d contourW="12700">
+            <a:bevelT w="31750" h="12700"/>
+            <a:contourClr>
+              <a:schemeClr val="phClr"/>
+            </a:contourClr>
           </a:sp3d>
         </a:effectStyle>
       </a:effectStyleLst>
@@ -3876,90 +5023,37 @@
           <a:gsLst>
             <a:gs pos="0">
               <a:schemeClr val="phClr">
-                <a:tint val="40000"/>
-                <a:satMod val="350000"/>
-              </a:schemeClr>
-            </a:gs>
-            <a:gs pos="40000">
-              <a:schemeClr val="phClr">
-                <a:tint val="45000"/>
-                <a:shade val="99000"/>
-                <a:satMod val="350000"/>
+                <a:tint val="93000"/>
               </a:schemeClr>
             </a:gs>
             <a:gs pos="100000">
               <a:schemeClr val="phClr">
-                <a:shade val="20000"/>
-                <a:satMod val="255000"/>
+                <a:shade val="55000"/>
               </a:schemeClr>
             </a:gs>
           </a:gsLst>
-          <a:path path="circle">
-            <a:fillToRect l="50000" t="-80000" r="50000" b="180000"/>
-          </a:path>
+          <a:lin ang="5400000" scaled="1"/>
         </a:gradFill>
-        <a:gradFill rotWithShape="1">
-          <a:gsLst>
-            <a:gs pos="0">
+        <a:blipFill rotWithShape="1">
+          <a:blip xmlns:r="http://schemas.openxmlformats.org/officeDocument/2006/relationships" r:embed="rId1">
+            <a:duotone>
               <a:schemeClr val="phClr">
-                <a:tint val="80000"/>
-                <a:satMod val="300000"/>
+                <a:shade val="20000"/>
+                <a:satMod val="350000"/>
+                <a:lumMod val="125000"/>
               </a:schemeClr>
-            </a:gs>
-            <a:gs pos="100000">
               <a:schemeClr val="phClr">
-                <a:shade val="30000"/>
-                <a:satMod val="200000"/>
+                <a:tint val="90000"/>
+                <a:satMod val="250000"/>
               </a:schemeClr>
-            </a:gs>
-          </a:gsLst>
-          <a:path path="circle">
-            <a:fillToRect l="50000" t="50000" r="50000" b="50000"/>
-          </a:path>
-        </a:gradFill>
+            </a:duotone>
+          </a:blip>
+          <a:stretch/>
+        </a:blipFill>
       </a:bgFillStyleLst>
     </a:fmtScheme>
   </a:themeElements>
-  <a:objectDefaults>
-    <a:spDef>
-      <a:spPr/>
-      <a:bodyPr/>
-      <a:lstStyle/>
-      <a:style>
-        <a:lnRef idx="1">
-          <a:schemeClr val="accent1"/>
-        </a:lnRef>
-        <a:fillRef idx="3">
-          <a:schemeClr val="accent1"/>
-        </a:fillRef>
-        <a:effectRef idx="2">
-          <a:schemeClr val="accent1"/>
-        </a:effectRef>
-        <a:fontRef idx="minor">
-          <a:schemeClr val="lt1"/>
-        </a:fontRef>
-      </a:style>
-    </a:spDef>
-    <a:lnDef>
-      <a:spPr/>
-      <a:bodyPr/>
-      <a:lstStyle/>
-      <a:style>
-        <a:lnRef idx="2">
-          <a:schemeClr val="accent1"/>
-        </a:lnRef>
-        <a:fillRef idx="0">
-          <a:schemeClr val="accent1"/>
-        </a:fillRef>
-        <a:effectRef idx="1">
-          <a:schemeClr val="accent1"/>
-        </a:effectRef>
-        <a:fontRef idx="minor">
-          <a:schemeClr val="tx1"/>
-        </a:fontRef>
-      </a:style>
-    </a:lnDef>
-  </a:objectDefaults>
+  <a:objectDefaults/>
   <a:extraClrSchemeLst/>
 </a:theme>
 </file>